--- a/documents/小凡翻翻.pptx
+++ b/documents/小凡翻翻.pptx
@@ -6,14 +6,15 @@
   </p:sldMasterIdLst>
   <p:sldIdLst>
     <p:sldId id="256" r:id="rId2"/>
-    <p:sldId id="261" r:id="rId3"/>
-    <p:sldId id="289" r:id="rId4"/>
-    <p:sldId id="293" r:id="rId5"/>
-    <p:sldId id="269" r:id="rId6"/>
-    <p:sldId id="290" r:id="rId7"/>
-    <p:sldId id="291" r:id="rId8"/>
-    <p:sldId id="292" r:id="rId9"/>
-    <p:sldId id="258" r:id="rId10"/>
+    <p:sldId id="294" r:id="rId3"/>
+    <p:sldId id="261" r:id="rId4"/>
+    <p:sldId id="289" r:id="rId5"/>
+    <p:sldId id="293" r:id="rId6"/>
+    <p:sldId id="269" r:id="rId7"/>
+    <p:sldId id="290" r:id="rId8"/>
+    <p:sldId id="291" r:id="rId9"/>
+    <p:sldId id="292" r:id="rId10"/>
+    <p:sldId id="258" r:id="rId11"/>
   </p:sldIdLst>
   <p:sldSz cx="12192000" cy="6858000"/>
   <p:notesSz cx="6858000" cy="9144000"/>
@@ -267,7 +268,7 @@
           <a:p>
             <a:fld id="{82EDB8D0-98ED-4B86-9D5F-E61ADC70144D}" type="datetimeFigureOut">
               <a:rPr lang="en-US" smtClean="0"/>
-              <a:t>5/10/2020</a:t>
+              <a:t>5/14/2020</a:t>
             </a:fld>
             <a:endParaRPr lang="en-US" dirty="0"/>
           </a:p>
@@ -682,7 +683,7 @@
           <a:p>
             <a:fld id="{82EDB8D0-98ED-4B86-9D5F-E61ADC70144D}" type="datetimeFigureOut">
               <a:rPr lang="en-US" smtClean="0"/>
-              <a:t>5/10/2020</a:t>
+              <a:t>5/14/2020</a:t>
             </a:fld>
             <a:endParaRPr lang="en-US"/>
           </a:p>
@@ -1174,7 +1175,7 @@
           <a:p>
             <a:fld id="{82EDB8D0-98ED-4B86-9D5F-E61ADC70144D}" type="datetimeFigureOut">
               <a:rPr lang="en-US" smtClean="0"/>
-              <a:t>5/10/2020</a:t>
+              <a:t>5/14/2020</a:t>
             </a:fld>
             <a:endParaRPr lang="en-US"/>
           </a:p>
@@ -1661,7 +1662,7 @@
           <a:p>
             <a:fld id="{82EDB8D0-98ED-4B86-9D5F-E61ADC70144D}" type="datetimeFigureOut">
               <a:rPr lang="en-US" smtClean="0"/>
-              <a:t>5/10/2020</a:t>
+              <a:t>5/14/2020</a:t>
             </a:fld>
             <a:endParaRPr lang="en-US" dirty="0"/>
           </a:p>
@@ -2430,7 +2431,7 @@
           <a:p>
             <a:fld id="{82EDB8D0-98ED-4B86-9D5F-E61ADC70144D}" type="datetimeFigureOut">
               <a:rPr lang="en-US" smtClean="0"/>
-              <a:t>5/10/2020</a:t>
+              <a:t>5/14/2020</a:t>
             </a:fld>
             <a:endParaRPr lang="en-US"/>
           </a:p>
@@ -2912,7 +2913,7 @@
           <a:p>
             <a:fld id="{82EDB8D0-98ED-4B86-9D5F-E61ADC70144D}" type="datetimeFigureOut">
               <a:rPr lang="en-US" smtClean="0"/>
-              <a:t>5/10/2020</a:t>
+              <a:t>5/14/2020</a:t>
             </a:fld>
             <a:endParaRPr lang="en-US"/>
           </a:p>
@@ -3608,7 +3609,7 @@
           <a:p>
             <a:fld id="{82EDB8D0-98ED-4B86-9D5F-E61ADC70144D}" type="datetimeFigureOut">
               <a:rPr lang="en-US" smtClean="0"/>
-              <a:t>5/10/2020</a:t>
+              <a:t>5/14/2020</a:t>
             </a:fld>
             <a:endParaRPr lang="en-US"/>
           </a:p>
@@ -4033,7 +4034,7 @@
           <a:p>
             <a:fld id="{82EDB8D0-98ED-4B86-9D5F-E61ADC70144D}" type="datetimeFigureOut">
               <a:rPr lang="en-US" smtClean="0"/>
-              <a:t>5/10/2020</a:t>
+              <a:t>5/14/2020</a:t>
             </a:fld>
             <a:endParaRPr lang="en-US"/>
           </a:p>
@@ -4430,7 +4431,7 @@
           <a:p>
             <a:fld id="{82EDB8D0-98ED-4B86-9D5F-E61ADC70144D}" type="datetimeFigureOut">
               <a:rPr lang="en-US" smtClean="0"/>
-              <a:t>5/10/2020</a:t>
+              <a:t>5/14/2020</a:t>
             </a:fld>
             <a:endParaRPr lang="en-US"/>
           </a:p>
@@ -5025,7 +5026,7 @@
           <a:p>
             <a:fld id="{82EDB8D0-98ED-4B86-9D5F-E61ADC70144D}" type="datetimeFigureOut">
               <a:rPr lang="en-US" smtClean="0"/>
-              <a:t>5/10/2020</a:t>
+              <a:t>5/14/2020</a:t>
             </a:fld>
             <a:endParaRPr lang="en-US"/>
           </a:p>
@@ -5600,7 +5601,7 @@
           <a:p>
             <a:fld id="{82EDB8D0-98ED-4B86-9D5F-E61ADC70144D}" type="datetimeFigureOut">
               <a:rPr lang="en-US" smtClean="0"/>
-              <a:t>5/10/2020</a:t>
+              <a:t>5/14/2020</a:t>
             </a:fld>
             <a:endParaRPr lang="en-US"/>
           </a:p>
@@ -6127,7 +6128,7 @@
             <a:fld id="{82EDB8D0-98ED-4B86-9D5F-E61ADC70144D}" type="datetimeFigureOut">
               <a:rPr lang="en-US" smtClean="0"/>
               <a:pPr/>
-              <a:t>5/10/2020</a:t>
+              <a:t>5/14/2020</a:t>
             </a:fld>
             <a:endParaRPr lang="en-US" dirty="0"/>
           </a:p>
@@ -6784,19 +6785,31 @@
         <p:spPr>
           <a:xfrm>
             <a:off x="477980" y="3969352"/>
-            <a:ext cx="4023359" cy="1208141"/>
+            <a:ext cx="5922820" cy="1208141"/>
           </a:xfrm>
         </p:spPr>
         <p:txBody>
           <a:bodyPr>
-            <a:normAutofit/>
+            <a:normAutofit fontScale="92500" lnSpcReduction="10000"/>
           </a:bodyPr>
           <a:lstStyle/>
           <a:p>
             <a:pPr algn="l"/>
             <a:r>
-              <a:rPr lang="zh-CN" altLang="en-US"/>
+              <a:rPr lang="zh-CN" altLang="en-US" dirty="0"/>
               <a:t>项目展开方式交流</a:t>
+            </a:r>
+            <a:endParaRPr lang="en-US" altLang="zh-CN" dirty="0"/>
+          </a:p>
+          <a:p>
+            <a:pPr algn="l"/>
+            <a:endParaRPr lang="en-US" altLang="zh-CN" dirty="0"/>
+          </a:p>
+          <a:p>
+            <a:pPr algn="l"/>
+            <a:r>
+              <a:rPr lang="zh-CN" altLang="en-US" dirty="0"/>
+              <a:t>董弈伯 邓宏宇 王力凡 张金源 周稚宜</a:t>
             </a:r>
           </a:p>
         </p:txBody>
@@ -6814,7 +6827,488 @@
 </p:sld>
 </file>
 
+<file path=ppt/slides/slide10.xml><?xml version="1.0" encoding="utf-8"?>
+<p:sld xmlns:a="http://schemas.openxmlformats.org/drawingml/2006/main" xmlns:r="http://schemas.openxmlformats.org/officeDocument/2006/relationships" xmlns:p="http://schemas.openxmlformats.org/presentationml/2006/main">
+  <p:cSld>
+    <p:spTree>
+      <p:nvGrpSpPr>
+        <p:cNvPr id="1" name=""/>
+        <p:cNvGrpSpPr/>
+        <p:nvPr/>
+      </p:nvGrpSpPr>
+      <p:grpSpPr>
+        <a:xfrm>
+          <a:off x="0" y="0"/>
+          <a:ext cx="0" cy="0"/>
+          <a:chOff x="0" y="0"/>
+          <a:chExt cx="0" cy="0"/>
+        </a:xfrm>
+      </p:grpSpPr>
+      <p:sp>
+        <p:nvSpPr>
+          <p:cNvPr id="2" name="标题 1">
+            <a:extLst>
+              <a:ext uri="{FF2B5EF4-FFF2-40B4-BE49-F238E27FC236}">
+                <a16:creationId xmlns:a16="http://schemas.microsoft.com/office/drawing/2014/main" id="{1E2F6666-FCE7-4AA5-B645-1A97A1E981FA}"/>
+              </a:ext>
+            </a:extLst>
+          </p:cNvPr>
+          <p:cNvSpPr>
+            <a:spLocks noGrp="1"/>
+          </p:cNvSpPr>
+          <p:nvPr>
+            <p:ph type="title"/>
+          </p:nvPr>
+        </p:nvSpPr>
+        <p:spPr/>
+        <p:txBody>
+          <a:bodyPr/>
+          <a:lstStyle/>
+          <a:p>
+            <a:endParaRPr lang="zh-CN" altLang="en-US"/>
+          </a:p>
+        </p:txBody>
+      </p:sp>
+      <p:sp>
+        <p:nvSpPr>
+          <p:cNvPr id="3" name="内容占位符 2">
+            <a:extLst>
+              <a:ext uri="{FF2B5EF4-FFF2-40B4-BE49-F238E27FC236}">
+                <a16:creationId xmlns:a16="http://schemas.microsoft.com/office/drawing/2014/main" id="{67A7431E-9252-48FC-9598-6BF6E46DEB65}"/>
+              </a:ext>
+            </a:extLst>
+          </p:cNvPr>
+          <p:cNvSpPr>
+            <a:spLocks noGrp="1"/>
+          </p:cNvSpPr>
+          <p:nvPr>
+            <p:ph idx="1"/>
+          </p:nvPr>
+        </p:nvSpPr>
+        <p:spPr/>
+        <p:txBody>
+          <a:bodyPr/>
+          <a:lstStyle/>
+          <a:p>
+            <a:endParaRPr lang="zh-CN" altLang="en-US" dirty="0"/>
+          </a:p>
+        </p:txBody>
+      </p:sp>
+      <p:pic>
+        <p:nvPicPr>
+          <p:cNvPr id="4" name="Picture 3">
+            <a:extLst>
+              <a:ext uri="{FF2B5EF4-FFF2-40B4-BE49-F238E27FC236}">
+                <a16:creationId xmlns:a16="http://schemas.microsoft.com/office/drawing/2014/main" id="{F5E65B6C-5ADD-463D-8C45-B50837BE5535}"/>
+              </a:ext>
+            </a:extLst>
+          </p:cNvPr>
+          <p:cNvPicPr>
+            <a:picLocks noChangeAspect="1"/>
+          </p:cNvPicPr>
+          <p:nvPr/>
+        </p:nvPicPr>
+        <p:blipFill rotWithShape="1">
+          <a:blip r:embed="rId2"/>
+          <a:srcRect t="5648" b="10083"/>
+          <a:stretch/>
+        </p:blipFill>
+        <p:spPr>
+          <a:xfrm>
+            <a:off x="20" y="10"/>
+            <a:ext cx="12191980" cy="6857990"/>
+          </a:xfrm>
+          <a:prstGeom prst="rect">
+            <a:avLst/>
+          </a:prstGeom>
+        </p:spPr>
+      </p:pic>
+      <p:sp>
+        <p:nvSpPr>
+          <p:cNvPr id="5" name="文本框 4">
+            <a:extLst>
+              <a:ext uri="{FF2B5EF4-FFF2-40B4-BE49-F238E27FC236}">
+                <a16:creationId xmlns:a16="http://schemas.microsoft.com/office/drawing/2014/main" id="{ABE625C5-4CE2-4DFE-B883-4834C4A66CC8}"/>
+              </a:ext>
+            </a:extLst>
+          </p:cNvPr>
+          <p:cNvSpPr txBox="1"/>
+          <p:nvPr/>
+        </p:nvSpPr>
+        <p:spPr>
+          <a:xfrm>
+            <a:off x="5227790" y="2459504"/>
+            <a:ext cx="1736419" cy="1938992"/>
+          </a:xfrm>
+          <a:prstGeom prst="rect">
+            <a:avLst/>
+          </a:prstGeom>
+          <a:solidFill>
+            <a:schemeClr val="accent5">
+              <a:lumMod val="20000"/>
+              <a:lumOff val="80000"/>
+            </a:schemeClr>
+          </a:solidFill>
+        </p:spPr>
+        <p:txBody>
+          <a:bodyPr wrap="square" rtlCol="0">
+            <a:spAutoFit/>
+          </a:bodyPr>
+          <a:lstStyle/>
+          <a:p>
+            <a:r>
+              <a:rPr lang="zh-CN" altLang="en-US" sz="12000" dirty="0"/>
+              <a:t>完</a:t>
+            </a:r>
+          </a:p>
+        </p:txBody>
+      </p:sp>
+    </p:spTree>
+    <p:extLst>
+      <p:ext uri="{BB962C8B-B14F-4D97-AF65-F5344CB8AC3E}">
+        <p14:creationId xmlns:p14="http://schemas.microsoft.com/office/powerpoint/2010/main" val="783897408"/>
+      </p:ext>
+    </p:extLst>
+  </p:cSld>
+  <p:clrMapOvr>
+    <a:masterClrMapping/>
+  </p:clrMapOvr>
+</p:sld>
+</file>
+
 <file path=ppt/slides/slide2.xml><?xml version="1.0" encoding="utf-8"?>
+<p:sld xmlns:a="http://schemas.openxmlformats.org/drawingml/2006/main" xmlns:r="http://schemas.openxmlformats.org/officeDocument/2006/relationships" xmlns:p="http://schemas.openxmlformats.org/presentationml/2006/main">
+  <p:cSld>
+    <p:spTree>
+      <p:nvGrpSpPr>
+        <p:cNvPr id="1" name=""/>
+        <p:cNvGrpSpPr/>
+        <p:nvPr/>
+      </p:nvGrpSpPr>
+      <p:grpSpPr>
+        <a:xfrm>
+          <a:off x="0" y="0"/>
+          <a:ext cx="0" cy="0"/>
+          <a:chOff x="0" y="0"/>
+          <a:chExt cx="0" cy="0"/>
+        </a:xfrm>
+      </p:grpSpPr>
+      <p:sp>
+        <p:nvSpPr>
+          <p:cNvPr id="5" name="文本框 4">
+            <a:extLst>
+              <a:ext uri="{FF2B5EF4-FFF2-40B4-BE49-F238E27FC236}">
+                <a16:creationId xmlns:a16="http://schemas.microsoft.com/office/drawing/2014/main" id="{1133DBF0-71B6-4CC0-9020-C8E34366B1EE}"/>
+              </a:ext>
+            </a:extLst>
+          </p:cNvPr>
+          <p:cNvSpPr txBox="1"/>
+          <p:nvPr/>
+        </p:nvSpPr>
+        <p:spPr>
+          <a:xfrm>
+            <a:off x="651353" y="588723"/>
+            <a:ext cx="4622104" cy="3662541"/>
+          </a:xfrm>
+          <a:prstGeom prst="rect">
+            <a:avLst/>
+          </a:prstGeom>
+          <a:noFill/>
+        </p:spPr>
+        <p:txBody>
+          <a:bodyPr wrap="square" rtlCol="0">
+            <a:spAutoFit/>
+          </a:bodyPr>
+          <a:lstStyle/>
+          <a:p>
+            <a:pPr algn="ctr"/>
+            <a:r>
+              <a:rPr lang="zh-CN" altLang="en-US" sz="4400" b="1" dirty="0">
+                <a:latin typeface="华文新魏" panose="02010800040101010101" pitchFamily="2" charset="-122"/>
+                <a:ea typeface="华文新魏" panose="02010800040101010101" pitchFamily="2" charset="-122"/>
+              </a:rPr>
+              <a:t>现有翻译软件的痛点</a:t>
+            </a:r>
+            <a:endParaRPr lang="en-US" altLang="zh-CN" sz="4400" b="1" dirty="0">
+              <a:latin typeface="华文新魏" panose="02010800040101010101" pitchFamily="2" charset="-122"/>
+              <a:ea typeface="华文新魏" panose="02010800040101010101" pitchFamily="2" charset="-122"/>
+            </a:endParaRPr>
+          </a:p>
+          <a:p>
+            <a:endParaRPr lang="en-US" altLang="zh-CN" sz="3600" dirty="0">
+              <a:solidFill>
+                <a:schemeClr val="bg2">
+                  <a:lumMod val="50000"/>
+                </a:schemeClr>
+              </a:solidFill>
+              <a:latin typeface="华文新魏" panose="02010800040101010101" pitchFamily="2" charset="-122"/>
+              <a:ea typeface="华文新魏" panose="02010800040101010101" pitchFamily="2" charset="-122"/>
+            </a:endParaRPr>
+          </a:p>
+          <a:p>
+            <a:pPr algn="ctr"/>
+            <a:r>
+              <a:rPr lang="zh-CN" altLang="en-US" sz="3600" dirty="0">
+                <a:solidFill>
+                  <a:schemeClr val="bg2">
+                    <a:lumMod val="50000"/>
+                  </a:schemeClr>
+                </a:solidFill>
+                <a:latin typeface="华文新魏" panose="02010800040101010101" pitchFamily="2" charset="-122"/>
+                <a:ea typeface="华文新魏" panose="02010800040101010101" pitchFamily="2" charset="-122"/>
+              </a:rPr>
+              <a:t>需要跳转翻译</a:t>
+            </a:r>
+            <a:endParaRPr lang="en-US" altLang="zh-CN" sz="3600" dirty="0">
+              <a:solidFill>
+                <a:schemeClr val="bg2">
+                  <a:lumMod val="50000"/>
+                </a:schemeClr>
+              </a:solidFill>
+              <a:latin typeface="华文新魏" panose="02010800040101010101" pitchFamily="2" charset="-122"/>
+              <a:ea typeface="华文新魏" panose="02010800040101010101" pitchFamily="2" charset="-122"/>
+            </a:endParaRPr>
+          </a:p>
+          <a:p>
+            <a:pPr algn="ctr"/>
+            <a:endParaRPr lang="en-US" altLang="zh-CN" sz="3600" dirty="0">
+              <a:solidFill>
+                <a:schemeClr val="bg2">
+                  <a:lumMod val="50000"/>
+                </a:schemeClr>
+              </a:solidFill>
+              <a:latin typeface="华文新魏" panose="02010800040101010101" pitchFamily="2" charset="-122"/>
+              <a:ea typeface="华文新魏" panose="02010800040101010101" pitchFamily="2" charset="-122"/>
+            </a:endParaRPr>
+          </a:p>
+          <a:p>
+            <a:pPr algn="ctr"/>
+            <a:r>
+              <a:rPr lang="zh-CN" altLang="en-US" sz="3600" dirty="0">
+                <a:solidFill>
+                  <a:schemeClr val="bg2">
+                    <a:lumMod val="50000"/>
+                  </a:schemeClr>
+                </a:solidFill>
+                <a:latin typeface="华文新魏" panose="02010800040101010101" pitchFamily="2" charset="-122"/>
+                <a:ea typeface="华文新魏" panose="02010800040101010101" pitchFamily="2" charset="-122"/>
+              </a:rPr>
+              <a:t>图片格式无法复制</a:t>
+            </a:r>
+          </a:p>
+        </p:txBody>
+      </p:sp>
+      <p:sp>
+        <p:nvSpPr>
+          <p:cNvPr id="6" name="文本框 5">
+            <a:extLst>
+              <a:ext uri="{FF2B5EF4-FFF2-40B4-BE49-F238E27FC236}">
+                <a16:creationId xmlns:a16="http://schemas.microsoft.com/office/drawing/2014/main" id="{78AFDA0E-2EFC-4205-9CAA-932D6EB7BCB6}"/>
+              </a:ext>
+            </a:extLst>
+          </p:cNvPr>
+          <p:cNvSpPr txBox="1"/>
+          <p:nvPr/>
+        </p:nvSpPr>
+        <p:spPr>
+          <a:xfrm>
+            <a:off x="6601216" y="588723"/>
+            <a:ext cx="5373666" cy="3970318"/>
+          </a:xfrm>
+          <a:prstGeom prst="rect">
+            <a:avLst/>
+          </a:prstGeom>
+          <a:noFill/>
+        </p:spPr>
+        <p:txBody>
+          <a:bodyPr wrap="square" rtlCol="0">
+            <a:spAutoFit/>
+          </a:bodyPr>
+          <a:lstStyle/>
+          <a:p>
+            <a:pPr algn="ctr"/>
+            <a:r>
+              <a:rPr lang="zh-CN" altLang="en-US" sz="3600" b="1" dirty="0">
+                <a:latin typeface="华文新魏" panose="02010800040101010101" pitchFamily="2" charset="-122"/>
+                <a:ea typeface="华文新魏" panose="02010800040101010101" pitchFamily="2" charset="-122"/>
+              </a:rPr>
+              <a:t>我们的产品</a:t>
+            </a:r>
+            <a:endParaRPr lang="en-US" altLang="zh-CN" sz="3600" b="1" dirty="0">
+              <a:latin typeface="华文新魏" panose="02010800040101010101" pitchFamily="2" charset="-122"/>
+              <a:ea typeface="华文新魏" panose="02010800040101010101" pitchFamily="2" charset="-122"/>
+            </a:endParaRPr>
+          </a:p>
+          <a:p>
+            <a:endParaRPr lang="en-US" altLang="zh-CN" sz="3600" dirty="0">
+              <a:solidFill>
+                <a:schemeClr val="bg2">
+                  <a:lumMod val="50000"/>
+                </a:schemeClr>
+              </a:solidFill>
+              <a:latin typeface="华文新魏" panose="02010800040101010101" pitchFamily="2" charset="-122"/>
+              <a:ea typeface="华文新魏" panose="02010800040101010101" pitchFamily="2" charset="-122"/>
+            </a:endParaRPr>
+          </a:p>
+          <a:p>
+            <a:pPr algn="ctr"/>
+            <a:r>
+              <a:rPr lang="zh-CN" altLang="en-US" sz="3600" dirty="0">
+                <a:solidFill>
+                  <a:schemeClr val="bg2">
+                    <a:lumMod val="50000"/>
+                  </a:schemeClr>
+                </a:solidFill>
+                <a:latin typeface="华文新魏" panose="02010800040101010101" pitchFamily="2" charset="-122"/>
+                <a:ea typeface="华文新魏" panose="02010800040101010101" pitchFamily="2" charset="-122"/>
+              </a:rPr>
+              <a:t>以插件形式实现截图翻译</a:t>
+            </a:r>
+            <a:endParaRPr lang="en-US" altLang="zh-CN" sz="3600" dirty="0">
+              <a:solidFill>
+                <a:schemeClr val="bg2">
+                  <a:lumMod val="50000"/>
+                </a:schemeClr>
+              </a:solidFill>
+              <a:latin typeface="华文新魏" panose="02010800040101010101" pitchFamily="2" charset="-122"/>
+              <a:ea typeface="华文新魏" panose="02010800040101010101" pitchFamily="2" charset="-122"/>
+            </a:endParaRPr>
+          </a:p>
+          <a:p>
+            <a:pPr algn="ctr"/>
+            <a:endParaRPr lang="en-US" altLang="zh-CN" sz="3600" dirty="0">
+              <a:solidFill>
+                <a:schemeClr val="bg2">
+                  <a:lumMod val="50000"/>
+                </a:schemeClr>
+              </a:solidFill>
+              <a:latin typeface="华文新魏" panose="02010800040101010101" pitchFamily="2" charset="-122"/>
+              <a:ea typeface="华文新魏" panose="02010800040101010101" pitchFamily="2" charset="-122"/>
+            </a:endParaRPr>
+          </a:p>
+          <a:p>
+            <a:pPr algn="ctr"/>
+            <a:r>
+              <a:rPr lang="zh-CN" altLang="en-US" sz="3600" dirty="0">
+                <a:solidFill>
+                  <a:schemeClr val="bg2">
+                    <a:lumMod val="50000"/>
+                  </a:schemeClr>
+                </a:solidFill>
+                <a:latin typeface="华文新魏" panose="02010800040101010101" pitchFamily="2" charset="-122"/>
+                <a:ea typeface="华文新魏" panose="02010800040101010101" pitchFamily="2" charset="-122"/>
+              </a:rPr>
+              <a:t>兼容支持划词翻译</a:t>
+            </a:r>
+            <a:endParaRPr lang="en-US" altLang="zh-CN" sz="3600" dirty="0">
+              <a:solidFill>
+                <a:schemeClr val="bg2">
+                  <a:lumMod val="50000"/>
+                </a:schemeClr>
+              </a:solidFill>
+              <a:latin typeface="华文新魏" panose="02010800040101010101" pitchFamily="2" charset="-122"/>
+              <a:ea typeface="华文新魏" panose="02010800040101010101" pitchFamily="2" charset="-122"/>
+            </a:endParaRPr>
+          </a:p>
+          <a:p>
+            <a:pPr algn="ctr"/>
+            <a:endParaRPr lang="en-US" altLang="zh-CN" sz="3600" dirty="0">
+              <a:solidFill>
+                <a:schemeClr val="bg2">
+                  <a:lumMod val="50000"/>
+                </a:schemeClr>
+              </a:solidFill>
+              <a:latin typeface="华文新魏" panose="02010800040101010101" pitchFamily="2" charset="-122"/>
+              <a:ea typeface="华文新魏" panose="02010800040101010101" pitchFamily="2" charset="-122"/>
+            </a:endParaRPr>
+          </a:p>
+          <a:p>
+            <a:pPr algn="ctr"/>
+            <a:r>
+              <a:rPr lang="zh-CN" altLang="en-US" sz="3600" dirty="0">
+                <a:solidFill>
+                  <a:schemeClr val="bg2">
+                    <a:lumMod val="50000"/>
+                  </a:schemeClr>
+                </a:solidFill>
+                <a:latin typeface="华文新魏" panose="02010800040101010101" pitchFamily="2" charset="-122"/>
+                <a:ea typeface="华文新魏" panose="02010800040101010101" pitchFamily="2" charset="-122"/>
+              </a:rPr>
+              <a:t>快捷添加至生词本</a:t>
+            </a:r>
+            <a:endParaRPr lang="en-US" altLang="zh-CN" sz="3600" dirty="0">
+              <a:solidFill>
+                <a:schemeClr val="bg2">
+                  <a:lumMod val="50000"/>
+                </a:schemeClr>
+              </a:solidFill>
+              <a:latin typeface="华文新魏" panose="02010800040101010101" pitchFamily="2" charset="-122"/>
+              <a:ea typeface="华文新魏" panose="02010800040101010101" pitchFamily="2" charset="-122"/>
+            </a:endParaRPr>
+          </a:p>
+        </p:txBody>
+      </p:sp>
+      <p:cxnSp>
+        <p:nvCxnSpPr>
+          <p:cNvPr id="8" name="直接连接符 7">
+            <a:extLst>
+              <a:ext uri="{FF2B5EF4-FFF2-40B4-BE49-F238E27FC236}">
+                <a16:creationId xmlns:a16="http://schemas.microsoft.com/office/drawing/2014/main" id="{E78B6C3D-3268-438F-8239-D39291761D0B}"/>
+              </a:ext>
+            </a:extLst>
+          </p:cNvPr>
+          <p:cNvCxnSpPr>
+            <a:cxnSpLocks/>
+          </p:cNvCxnSpPr>
+          <p:nvPr/>
+        </p:nvCxnSpPr>
+        <p:spPr>
+          <a:xfrm>
+            <a:off x="6096000" y="0"/>
+            <a:ext cx="0" cy="6858000"/>
+          </a:xfrm>
+          <a:prstGeom prst="line">
+            <a:avLst/>
+          </a:prstGeom>
+          <a:ln w="9525" cap="flat" cmpd="sng" algn="ctr">
+            <a:solidFill>
+              <a:schemeClr val="dk1"/>
+            </a:solidFill>
+            <a:prstDash val="dash"/>
+            <a:round/>
+            <a:headEnd type="none" w="med" len="med"/>
+            <a:tailEnd type="none" w="med" len="med"/>
+          </a:ln>
+        </p:spPr>
+        <p:style>
+          <a:lnRef idx="0">
+            <a:scrgbClr r="0" g="0" b="0"/>
+          </a:lnRef>
+          <a:fillRef idx="0">
+            <a:scrgbClr r="0" g="0" b="0"/>
+          </a:fillRef>
+          <a:effectRef idx="0">
+            <a:scrgbClr r="0" g="0" b="0"/>
+          </a:effectRef>
+          <a:fontRef idx="minor">
+            <a:schemeClr val="tx1"/>
+          </a:fontRef>
+        </p:style>
+      </p:cxnSp>
+    </p:spTree>
+    <p:extLst>
+      <p:ext uri="{BB962C8B-B14F-4D97-AF65-F5344CB8AC3E}">
+        <p14:creationId xmlns:p14="http://schemas.microsoft.com/office/powerpoint/2010/main" val="2408285921"/>
+      </p:ext>
+    </p:extLst>
+  </p:cSld>
+  <p:clrMapOvr>
+    <a:masterClrMapping/>
+  </p:clrMapOvr>
+</p:sld>
+</file>
+
+<file path=ppt/slides/slide3.xml><?xml version="1.0" encoding="utf-8"?>
 <p:sld xmlns:a="http://schemas.openxmlformats.org/drawingml/2006/main" xmlns:r="http://schemas.openxmlformats.org/officeDocument/2006/relationships" xmlns:p="http://schemas.openxmlformats.org/presentationml/2006/main">
   <p:cSld>
     <p:spTree>
@@ -9931,7 +10425,7 @@
 </p:sld>
 </file>
 
-<file path=ppt/slides/slide3.xml><?xml version="1.0" encoding="utf-8"?>
+<file path=ppt/slides/slide4.xml><?xml version="1.0" encoding="utf-8"?>
 <p:sld xmlns:a="http://schemas.openxmlformats.org/drawingml/2006/main" xmlns:r="http://schemas.openxmlformats.org/officeDocument/2006/relationships" xmlns:p="http://schemas.openxmlformats.org/presentationml/2006/main">
   <p:cSld>
     <p:spTree>
@@ -10505,7 +10999,7 @@
 </p:sld>
 </file>
 
-<file path=ppt/slides/slide4.xml><?xml version="1.0" encoding="utf-8"?>
+<file path=ppt/slides/slide5.xml><?xml version="1.0" encoding="utf-8"?>
 <p:sld xmlns:a="http://schemas.openxmlformats.org/drawingml/2006/main" xmlns:r="http://schemas.openxmlformats.org/officeDocument/2006/relationships" xmlns:p="http://schemas.openxmlformats.org/presentationml/2006/main">
   <p:cSld>
     <p:spTree>
@@ -10808,7 +11302,7 @@
 </p:sld>
 </file>
 
-<file path=ppt/slides/slide5.xml><?xml version="1.0" encoding="utf-8"?>
+<file path=ppt/slides/slide6.xml><?xml version="1.0" encoding="utf-8"?>
 <p:sld xmlns:a="http://schemas.openxmlformats.org/drawingml/2006/main" xmlns:r="http://schemas.openxmlformats.org/officeDocument/2006/relationships" xmlns:p="http://schemas.openxmlformats.org/presentationml/2006/main">
   <p:cSld>
     <p:spTree>
@@ -11481,535 +11975,6 @@
     <p:extLst>
       <p:ext uri="{BB962C8B-B14F-4D97-AF65-F5344CB8AC3E}">
         <p14:creationId xmlns:p14="http://schemas.microsoft.com/office/powerpoint/2010/main" val="1481826123"/>
-      </p:ext>
-    </p:extLst>
-  </p:cSld>
-  <p:clrMapOvr>
-    <a:masterClrMapping/>
-  </p:clrMapOvr>
-</p:sld>
-</file>
-
-<file path=ppt/slides/slide6.xml><?xml version="1.0" encoding="utf-8"?>
-<p:sld xmlns:a="http://schemas.openxmlformats.org/drawingml/2006/main" xmlns:r="http://schemas.openxmlformats.org/officeDocument/2006/relationships" xmlns:p="http://schemas.openxmlformats.org/presentationml/2006/main">
-  <p:cSld>
-    <p:spTree>
-      <p:nvGrpSpPr>
-        <p:cNvPr id="1" name=""/>
-        <p:cNvGrpSpPr/>
-        <p:nvPr/>
-      </p:nvGrpSpPr>
-      <p:grpSpPr>
-        <a:xfrm>
-          <a:off x="0" y="0"/>
-          <a:ext cx="0" cy="0"/>
-          <a:chOff x="0" y="0"/>
-          <a:chExt cx="0" cy="0"/>
-        </a:xfrm>
-      </p:grpSpPr>
-      <p:sp>
-        <p:nvSpPr>
-          <p:cNvPr id="2" name="矩形 6">
-            <a:extLst>
-              <a:ext uri="{FF2B5EF4-FFF2-40B4-BE49-F238E27FC236}">
-                <a16:creationId xmlns:a16="http://schemas.microsoft.com/office/drawing/2014/main" id="{F841291E-C213-4F87-9E6F-564464F5B8B8}"/>
-              </a:ext>
-            </a:extLst>
-          </p:cNvPr>
-          <p:cNvSpPr>
-            <a:spLocks noChangeArrowheads="1"/>
-          </p:cNvSpPr>
-          <p:nvPr/>
-        </p:nvSpPr>
-        <p:spPr bwMode="auto">
-          <a:xfrm>
-            <a:off x="0" y="836086"/>
-            <a:ext cx="12192000" cy="5473700"/>
-          </a:xfrm>
-          <a:prstGeom prst="rect">
-            <a:avLst/>
-          </a:prstGeom>
-          <a:solidFill>
-            <a:srgbClr val="FFFFFF">
-              <a:alpha val="50195"/>
-            </a:srgbClr>
-          </a:solidFill>
-          <a:ln>
-            <a:noFill/>
-          </a:ln>
-          <a:extLst>
-            <a:ext uri="{91240B29-F687-4F45-9708-019B960494DF}">
-              <a14:hiddenLine xmlns:a14="http://schemas.microsoft.com/office/drawing/2010/main" w="9525">
-                <a:solidFill>
-                  <a:srgbClr val="000000"/>
-                </a:solidFill>
-                <a:miter lim="800000"/>
-                <a:headEnd/>
-                <a:tailEnd/>
-              </a14:hiddenLine>
-            </a:ext>
-          </a:extLst>
-        </p:spPr>
-        <p:txBody>
-          <a:bodyPr lIns="121904" tIns="60952" rIns="121904" bIns="60952" anchor="ctr"/>
-          <a:lstStyle>
-            <a:lvl1pPr eaLnBrk="0" hangingPunct="0">
-              <a:spcBef>
-                <a:spcPct val="20000"/>
-              </a:spcBef>
-              <a:buChar char="•"/>
-              <a:defRPr sz="3200">
-                <a:solidFill>
-                  <a:schemeClr val="tx1"/>
-                </a:solidFill>
-                <a:latin typeface="Calibri" pitchFamily="34" charset="0"/>
-                <a:ea typeface="宋体" pitchFamily="2" charset="-122"/>
-                <a:sym typeface="Calibri" pitchFamily="34" charset="0"/>
-              </a:defRPr>
-            </a:lvl1pPr>
-            <a:lvl2pPr marL="742950" indent="-285750" eaLnBrk="0" hangingPunct="0">
-              <a:spcBef>
-                <a:spcPct val="20000"/>
-              </a:spcBef>
-              <a:buChar char="–"/>
-              <a:defRPr sz="2800">
-                <a:solidFill>
-                  <a:schemeClr val="tx1"/>
-                </a:solidFill>
-                <a:latin typeface="Calibri" pitchFamily="34" charset="0"/>
-                <a:ea typeface="宋体" pitchFamily="2" charset="-122"/>
-                <a:sym typeface="Calibri" pitchFamily="34" charset="0"/>
-              </a:defRPr>
-            </a:lvl2pPr>
-            <a:lvl3pPr marL="1143000" indent="-228600" eaLnBrk="0" hangingPunct="0">
-              <a:spcBef>
-                <a:spcPct val="20000"/>
-              </a:spcBef>
-              <a:buChar char="•"/>
-              <a:defRPr sz="2400">
-                <a:solidFill>
-                  <a:schemeClr val="tx1"/>
-                </a:solidFill>
-                <a:latin typeface="Calibri" pitchFamily="34" charset="0"/>
-                <a:ea typeface="宋体" pitchFamily="2" charset="-122"/>
-                <a:sym typeface="Calibri" pitchFamily="34" charset="0"/>
-              </a:defRPr>
-            </a:lvl3pPr>
-            <a:lvl4pPr marL="1600200" indent="-228600" eaLnBrk="0" hangingPunct="0">
-              <a:spcBef>
-                <a:spcPct val="20000"/>
-              </a:spcBef>
-              <a:buChar char="–"/>
-              <a:defRPr sz="2000">
-                <a:solidFill>
-                  <a:schemeClr val="tx1"/>
-                </a:solidFill>
-                <a:latin typeface="Calibri" pitchFamily="34" charset="0"/>
-                <a:ea typeface="宋体" pitchFamily="2" charset="-122"/>
-                <a:sym typeface="Calibri" pitchFamily="34" charset="0"/>
-              </a:defRPr>
-            </a:lvl4pPr>
-            <a:lvl5pPr marL="2057400" indent="-228600" eaLnBrk="0" hangingPunct="0">
-              <a:spcBef>
-                <a:spcPct val="20000"/>
-              </a:spcBef>
-              <a:buChar char="»"/>
-              <a:defRPr sz="2000">
-                <a:solidFill>
-                  <a:schemeClr val="tx1"/>
-                </a:solidFill>
-                <a:latin typeface="Calibri" pitchFamily="34" charset="0"/>
-                <a:ea typeface="宋体" pitchFamily="2" charset="-122"/>
-                <a:sym typeface="Calibri" pitchFamily="34" charset="0"/>
-              </a:defRPr>
-            </a:lvl5pPr>
-            <a:lvl6pPr marL="2514600" indent="-228600" eaLnBrk="0" fontAlgn="base" hangingPunct="0">
-              <a:spcBef>
-                <a:spcPct val="20000"/>
-              </a:spcBef>
-              <a:spcAft>
-                <a:spcPct val="0"/>
-              </a:spcAft>
-              <a:buFont typeface="Arial" pitchFamily="34" charset="0"/>
-              <a:buChar char="»"/>
-              <a:defRPr sz="2000">
-                <a:solidFill>
-                  <a:schemeClr val="tx1"/>
-                </a:solidFill>
-                <a:latin typeface="Calibri" pitchFamily="34" charset="0"/>
-                <a:ea typeface="宋体" pitchFamily="2" charset="-122"/>
-                <a:sym typeface="Calibri" pitchFamily="34" charset="0"/>
-              </a:defRPr>
-            </a:lvl6pPr>
-            <a:lvl7pPr marL="2971800" indent="-228600" eaLnBrk="0" fontAlgn="base" hangingPunct="0">
-              <a:spcBef>
-                <a:spcPct val="20000"/>
-              </a:spcBef>
-              <a:spcAft>
-                <a:spcPct val="0"/>
-              </a:spcAft>
-              <a:buFont typeface="Arial" pitchFamily="34" charset="0"/>
-              <a:buChar char="»"/>
-              <a:defRPr sz="2000">
-                <a:solidFill>
-                  <a:schemeClr val="tx1"/>
-                </a:solidFill>
-                <a:latin typeface="Calibri" pitchFamily="34" charset="0"/>
-                <a:ea typeface="宋体" pitchFamily="2" charset="-122"/>
-                <a:sym typeface="Calibri" pitchFamily="34" charset="0"/>
-              </a:defRPr>
-            </a:lvl7pPr>
-            <a:lvl8pPr marL="3429000" indent="-228600" eaLnBrk="0" fontAlgn="base" hangingPunct="0">
-              <a:spcBef>
-                <a:spcPct val="20000"/>
-              </a:spcBef>
-              <a:spcAft>
-                <a:spcPct val="0"/>
-              </a:spcAft>
-              <a:buFont typeface="Arial" pitchFamily="34" charset="0"/>
-              <a:buChar char="»"/>
-              <a:defRPr sz="2000">
-                <a:solidFill>
-                  <a:schemeClr val="tx1"/>
-                </a:solidFill>
-                <a:latin typeface="Calibri" pitchFamily="34" charset="0"/>
-                <a:ea typeface="宋体" pitchFamily="2" charset="-122"/>
-                <a:sym typeface="Calibri" pitchFamily="34" charset="0"/>
-              </a:defRPr>
-            </a:lvl8pPr>
-            <a:lvl9pPr marL="3886200" indent="-228600" eaLnBrk="0" fontAlgn="base" hangingPunct="0">
-              <a:spcBef>
-                <a:spcPct val="20000"/>
-              </a:spcBef>
-              <a:spcAft>
-                <a:spcPct val="0"/>
-              </a:spcAft>
-              <a:buFont typeface="Arial" pitchFamily="34" charset="0"/>
-              <a:buChar char="»"/>
-              <a:defRPr sz="2000">
-                <a:solidFill>
-                  <a:schemeClr val="tx1"/>
-                </a:solidFill>
-                <a:latin typeface="Calibri" pitchFamily="34" charset="0"/>
-                <a:ea typeface="宋体" pitchFamily="2" charset="-122"/>
-                <a:sym typeface="Calibri" pitchFamily="34" charset="0"/>
-              </a:defRPr>
-            </a:lvl9pPr>
-          </a:lstStyle>
-          <a:p>
-            <a:pPr algn="ctr" eaLnBrk="1" fontAlgn="base" hangingPunct="1">
-              <a:spcBef>
-                <a:spcPct val="0"/>
-              </a:spcBef>
-              <a:spcAft>
-                <a:spcPct val="0"/>
-              </a:spcAft>
-              <a:buFont typeface="Arial" pitchFamily="34" charset="0"/>
-              <a:buNone/>
-            </a:pPr>
-            <a:endParaRPr lang="zh-CN" altLang="en-US" sz="2400" dirty="0">
-              <a:solidFill>
-                <a:srgbClr val="FFFFFF"/>
-              </a:solidFill>
-              <a:latin typeface="微软雅黑"/>
-              <a:ea typeface="微软雅黑"/>
-              <a:sym typeface="宋体" pitchFamily="2" charset="-122"/>
-            </a:endParaRPr>
-          </a:p>
-        </p:txBody>
-      </p:sp>
-      <p:sp>
-        <p:nvSpPr>
-          <p:cNvPr id="6" name="AutoShape 6">
-            <a:extLst>
-              <a:ext uri="{FF2B5EF4-FFF2-40B4-BE49-F238E27FC236}">
-                <a16:creationId xmlns:a16="http://schemas.microsoft.com/office/drawing/2014/main" id="{926D1122-B17B-4A00-922F-C429638570B6}"/>
-              </a:ext>
-            </a:extLst>
-          </p:cNvPr>
-          <p:cNvSpPr>
-            <a:spLocks noChangeAspect="1" noChangeArrowheads="1"/>
-          </p:cNvSpPr>
-          <p:nvPr/>
-        </p:nvSpPr>
-        <p:spPr bwMode="auto">
-          <a:xfrm>
-            <a:off x="5892800" y="3225800"/>
-            <a:ext cx="406400" cy="406400"/>
-          </a:xfrm>
-          <a:prstGeom prst="rect">
-            <a:avLst/>
-          </a:prstGeom>
-          <a:noFill/>
-          <a:extLst>
-            <a:ext uri="{909E8E84-426E-40DD-AFC4-6F175D3DCCD1}">
-              <a14:hiddenFill xmlns:a14="http://schemas.microsoft.com/office/drawing/2010/main">
-                <a:solidFill>
-                  <a:srgbClr val="FFFFFF"/>
-                </a:solidFill>
-              </a14:hiddenFill>
-            </a:ext>
-          </a:extLst>
-        </p:spPr>
-        <p:txBody>
-          <a:bodyPr vert="horz" wrap="square" lIns="121920" tIns="60960" rIns="121920" bIns="60960" numCol="1" anchor="t" anchorCtr="0" compatLnSpc="1">
-            <a:prstTxWarp prst="textNoShape">
-              <a:avLst/>
-            </a:prstTxWarp>
-          </a:bodyPr>
-          <a:lstStyle/>
-          <a:p>
-            <a:endParaRPr lang="zh-CN" altLang="en-US" sz="2400"/>
-          </a:p>
-        </p:txBody>
-      </p:sp>
-      <p:sp>
-        <p:nvSpPr>
-          <p:cNvPr id="7" name="TextBox 7">
-            <a:extLst>
-              <a:ext uri="{FF2B5EF4-FFF2-40B4-BE49-F238E27FC236}">
-                <a16:creationId xmlns:a16="http://schemas.microsoft.com/office/drawing/2014/main" id="{25285959-9CCE-4F71-AD8A-AAC990000718}"/>
-              </a:ext>
-            </a:extLst>
-          </p:cNvPr>
-          <p:cNvSpPr>
-            <a:spLocks noChangeArrowheads="1"/>
-          </p:cNvSpPr>
-          <p:nvPr/>
-        </p:nvSpPr>
-        <p:spPr bwMode="auto">
-          <a:xfrm>
-            <a:off x="0" y="487312"/>
-            <a:ext cx="4271433" cy="697547"/>
-          </a:xfrm>
-          <a:prstGeom prst="rect">
-            <a:avLst/>
-          </a:prstGeom>
-          <a:solidFill>
-            <a:srgbClr val="E36C09"/>
-          </a:solidFill>
-          <a:ln>
-            <a:noFill/>
-          </a:ln>
-          <a:extLst>
-            <a:ext uri="{91240B29-F687-4F45-9708-019B960494DF}">
-              <a14:hiddenLine xmlns:a14="http://schemas.microsoft.com/office/drawing/2010/main" w="9525">
-                <a:solidFill>
-                  <a:srgbClr val="000000"/>
-                </a:solidFill>
-                <a:miter lim="800000"/>
-                <a:headEnd/>
-                <a:tailEnd/>
-              </a14:hiddenLine>
-            </a:ext>
-          </a:extLst>
-        </p:spPr>
-        <p:txBody>
-          <a:bodyPr lIns="121904" tIns="60952" rIns="121904" bIns="60952">
-            <a:spAutoFit/>
-          </a:bodyPr>
-          <a:lstStyle>
-            <a:lvl1pPr eaLnBrk="0" hangingPunct="0">
-              <a:spcBef>
-                <a:spcPct val="20000"/>
-              </a:spcBef>
-              <a:buChar char="•"/>
-              <a:defRPr sz="3200">
-                <a:solidFill>
-                  <a:schemeClr val="tx1"/>
-                </a:solidFill>
-                <a:latin typeface="Calibri" pitchFamily="34" charset="0"/>
-                <a:ea typeface="宋体" pitchFamily="2" charset="-122"/>
-                <a:sym typeface="Calibri" pitchFamily="34" charset="0"/>
-              </a:defRPr>
-            </a:lvl1pPr>
-            <a:lvl2pPr marL="742950" indent="-285750" eaLnBrk="0" hangingPunct="0">
-              <a:spcBef>
-                <a:spcPct val="20000"/>
-              </a:spcBef>
-              <a:buChar char="–"/>
-              <a:defRPr sz="2800">
-                <a:solidFill>
-                  <a:schemeClr val="tx1"/>
-                </a:solidFill>
-                <a:latin typeface="Calibri" pitchFamily="34" charset="0"/>
-                <a:ea typeface="宋体" pitchFamily="2" charset="-122"/>
-                <a:sym typeface="Calibri" pitchFamily="34" charset="0"/>
-              </a:defRPr>
-            </a:lvl2pPr>
-            <a:lvl3pPr marL="1143000" indent="-228600" eaLnBrk="0" hangingPunct="0">
-              <a:spcBef>
-                <a:spcPct val="20000"/>
-              </a:spcBef>
-              <a:buChar char="•"/>
-              <a:defRPr sz="2400">
-                <a:solidFill>
-                  <a:schemeClr val="tx1"/>
-                </a:solidFill>
-                <a:latin typeface="Calibri" pitchFamily="34" charset="0"/>
-                <a:ea typeface="宋体" pitchFamily="2" charset="-122"/>
-                <a:sym typeface="Calibri" pitchFamily="34" charset="0"/>
-              </a:defRPr>
-            </a:lvl3pPr>
-            <a:lvl4pPr marL="1600200" indent="-228600" eaLnBrk="0" hangingPunct="0">
-              <a:spcBef>
-                <a:spcPct val="20000"/>
-              </a:spcBef>
-              <a:buChar char="–"/>
-              <a:defRPr sz="2000">
-                <a:solidFill>
-                  <a:schemeClr val="tx1"/>
-                </a:solidFill>
-                <a:latin typeface="Calibri" pitchFamily="34" charset="0"/>
-                <a:ea typeface="宋体" pitchFamily="2" charset="-122"/>
-                <a:sym typeface="Calibri" pitchFamily="34" charset="0"/>
-              </a:defRPr>
-            </a:lvl4pPr>
-            <a:lvl5pPr marL="2057400" indent="-228600" eaLnBrk="0" hangingPunct="0">
-              <a:spcBef>
-                <a:spcPct val="20000"/>
-              </a:spcBef>
-              <a:buChar char="»"/>
-              <a:defRPr sz="2000">
-                <a:solidFill>
-                  <a:schemeClr val="tx1"/>
-                </a:solidFill>
-                <a:latin typeface="Calibri" pitchFamily="34" charset="0"/>
-                <a:ea typeface="宋体" pitchFamily="2" charset="-122"/>
-                <a:sym typeface="Calibri" pitchFamily="34" charset="0"/>
-              </a:defRPr>
-            </a:lvl5pPr>
-            <a:lvl6pPr marL="2514600" indent="-228600" eaLnBrk="0" fontAlgn="base" hangingPunct="0">
-              <a:spcBef>
-                <a:spcPct val="20000"/>
-              </a:spcBef>
-              <a:spcAft>
-                <a:spcPct val="0"/>
-              </a:spcAft>
-              <a:buFont typeface="Arial" pitchFamily="34" charset="0"/>
-              <a:buChar char="»"/>
-              <a:defRPr sz="2000">
-                <a:solidFill>
-                  <a:schemeClr val="tx1"/>
-                </a:solidFill>
-                <a:latin typeface="Calibri" pitchFamily="34" charset="0"/>
-                <a:ea typeface="宋体" pitchFamily="2" charset="-122"/>
-                <a:sym typeface="Calibri" pitchFamily="34" charset="0"/>
-              </a:defRPr>
-            </a:lvl6pPr>
-            <a:lvl7pPr marL="2971800" indent="-228600" eaLnBrk="0" fontAlgn="base" hangingPunct="0">
-              <a:spcBef>
-                <a:spcPct val="20000"/>
-              </a:spcBef>
-              <a:spcAft>
-                <a:spcPct val="0"/>
-              </a:spcAft>
-              <a:buFont typeface="Arial" pitchFamily="34" charset="0"/>
-              <a:buChar char="»"/>
-              <a:defRPr sz="2000">
-                <a:solidFill>
-                  <a:schemeClr val="tx1"/>
-                </a:solidFill>
-                <a:latin typeface="Calibri" pitchFamily="34" charset="0"/>
-                <a:ea typeface="宋体" pitchFamily="2" charset="-122"/>
-                <a:sym typeface="Calibri" pitchFamily="34" charset="0"/>
-              </a:defRPr>
-            </a:lvl7pPr>
-            <a:lvl8pPr marL="3429000" indent="-228600" eaLnBrk="0" fontAlgn="base" hangingPunct="0">
-              <a:spcBef>
-                <a:spcPct val="20000"/>
-              </a:spcBef>
-              <a:spcAft>
-                <a:spcPct val="0"/>
-              </a:spcAft>
-              <a:buFont typeface="Arial" pitchFamily="34" charset="0"/>
-              <a:buChar char="»"/>
-              <a:defRPr sz="2000">
-                <a:solidFill>
-                  <a:schemeClr val="tx1"/>
-                </a:solidFill>
-                <a:latin typeface="Calibri" pitchFamily="34" charset="0"/>
-                <a:ea typeface="宋体" pitchFamily="2" charset="-122"/>
-                <a:sym typeface="Calibri" pitchFamily="34" charset="0"/>
-              </a:defRPr>
-            </a:lvl8pPr>
-            <a:lvl9pPr marL="3886200" indent="-228600" eaLnBrk="0" fontAlgn="base" hangingPunct="0">
-              <a:spcBef>
-                <a:spcPct val="20000"/>
-              </a:spcBef>
-              <a:spcAft>
-                <a:spcPct val="0"/>
-              </a:spcAft>
-              <a:buFont typeface="Arial" pitchFamily="34" charset="0"/>
-              <a:buChar char="»"/>
-              <a:defRPr sz="2000">
-                <a:solidFill>
-                  <a:schemeClr val="tx1"/>
-                </a:solidFill>
-                <a:latin typeface="Calibri" pitchFamily="34" charset="0"/>
-                <a:ea typeface="宋体" pitchFamily="2" charset="-122"/>
-                <a:sym typeface="Calibri" pitchFamily="34" charset="0"/>
-              </a:defRPr>
-            </a:lvl9pPr>
-          </a:lstStyle>
-          <a:p>
-            <a:pPr eaLnBrk="1" fontAlgn="base" hangingPunct="1">
-              <a:spcBef>
-                <a:spcPct val="0"/>
-              </a:spcBef>
-              <a:spcAft>
-                <a:spcPct val="0"/>
-              </a:spcAft>
-              <a:buNone/>
-              <a:defRPr/>
-            </a:pPr>
-            <a:r>
-              <a:rPr lang="zh-CN" altLang="en-US" sz="3733" b="1" kern="0" dirty="0">
-                <a:solidFill>
-                  <a:srgbClr val="FFFFFF"/>
-                </a:solidFill>
-                <a:ea typeface="微软雅黑"/>
-                <a:sym typeface="宋体" pitchFamily="2" charset="-122"/>
-              </a:rPr>
-              <a:t>项目管理</a:t>
-            </a:r>
-          </a:p>
-        </p:txBody>
-      </p:sp>
-      <p:pic>
-        <p:nvPicPr>
-          <p:cNvPr id="9" name="图片 8">
-            <a:extLst>
-              <a:ext uri="{FF2B5EF4-FFF2-40B4-BE49-F238E27FC236}">
-                <a16:creationId xmlns:a16="http://schemas.microsoft.com/office/drawing/2014/main" id="{EADD1D4F-5356-4C83-BD36-A52C528577A3}"/>
-              </a:ext>
-            </a:extLst>
-          </p:cNvPr>
-          <p:cNvPicPr>
-            <a:picLocks noChangeAspect="1"/>
-          </p:cNvPicPr>
-          <p:nvPr/>
-        </p:nvPicPr>
-        <p:blipFill>
-          <a:blip r:embed="rId2"/>
-          <a:stretch>
-            <a:fillRect/>
-          </a:stretch>
-        </p:blipFill>
-        <p:spPr>
-          <a:xfrm>
-            <a:off x="1542791" y="1533633"/>
-            <a:ext cx="9759861" cy="4242810"/>
-          </a:xfrm>
-          <a:prstGeom prst="rect">
-            <a:avLst/>
-          </a:prstGeom>
-        </p:spPr>
-      </p:pic>
-    </p:spTree>
-    <p:extLst>
-      <p:ext uri="{BB962C8B-B14F-4D97-AF65-F5344CB8AC3E}">
-        <p14:creationId xmlns:p14="http://schemas.microsoft.com/office/powerpoint/2010/main" val="239641459"/>
       </p:ext>
     </p:extLst>
   </p:cSld>
@@ -12249,219 +12214,6 @@
       </p:sp>
       <p:sp>
         <p:nvSpPr>
-          <p:cNvPr id="3" name="TextBox 7">
-            <a:extLst>
-              <a:ext uri="{FF2B5EF4-FFF2-40B4-BE49-F238E27FC236}">
-                <a16:creationId xmlns:a16="http://schemas.microsoft.com/office/drawing/2014/main" id="{DB327454-843E-4EB8-8BFF-432DFA44BF5D}"/>
-              </a:ext>
-            </a:extLst>
-          </p:cNvPr>
-          <p:cNvSpPr>
-            <a:spLocks noChangeArrowheads="1"/>
-          </p:cNvSpPr>
-          <p:nvPr/>
-        </p:nvSpPr>
-        <p:spPr bwMode="auto">
-          <a:xfrm>
-            <a:off x="9" y="486835"/>
-            <a:ext cx="4271433" cy="697547"/>
-          </a:xfrm>
-          <a:prstGeom prst="rect">
-            <a:avLst/>
-          </a:prstGeom>
-          <a:solidFill>
-            <a:srgbClr val="E36C09"/>
-          </a:solidFill>
-          <a:ln>
-            <a:noFill/>
-          </a:ln>
-          <a:extLst>
-            <a:ext uri="{91240B29-F687-4F45-9708-019B960494DF}">
-              <a14:hiddenLine xmlns:a14="http://schemas.microsoft.com/office/drawing/2010/main" w="9525">
-                <a:solidFill>
-                  <a:srgbClr val="000000"/>
-                </a:solidFill>
-                <a:miter lim="800000"/>
-                <a:headEnd/>
-                <a:tailEnd/>
-              </a14:hiddenLine>
-            </a:ext>
-          </a:extLst>
-        </p:spPr>
-        <p:txBody>
-          <a:bodyPr lIns="121904" tIns="60952" rIns="121904" bIns="60952">
-            <a:spAutoFit/>
-          </a:bodyPr>
-          <a:lstStyle>
-            <a:lvl1pPr eaLnBrk="0" hangingPunct="0">
-              <a:spcBef>
-                <a:spcPct val="20000"/>
-              </a:spcBef>
-              <a:buChar char="•"/>
-              <a:defRPr sz="3200">
-                <a:solidFill>
-                  <a:schemeClr val="tx1"/>
-                </a:solidFill>
-                <a:latin typeface="Calibri" pitchFamily="34" charset="0"/>
-                <a:ea typeface="宋体" pitchFamily="2" charset="-122"/>
-                <a:sym typeface="Calibri" pitchFamily="34" charset="0"/>
-              </a:defRPr>
-            </a:lvl1pPr>
-            <a:lvl2pPr marL="742950" indent="-285750" eaLnBrk="0" hangingPunct="0">
-              <a:spcBef>
-                <a:spcPct val="20000"/>
-              </a:spcBef>
-              <a:buChar char="–"/>
-              <a:defRPr sz="2800">
-                <a:solidFill>
-                  <a:schemeClr val="tx1"/>
-                </a:solidFill>
-                <a:latin typeface="Calibri" pitchFamily="34" charset="0"/>
-                <a:ea typeface="宋体" pitchFamily="2" charset="-122"/>
-                <a:sym typeface="Calibri" pitchFamily="34" charset="0"/>
-              </a:defRPr>
-            </a:lvl2pPr>
-            <a:lvl3pPr marL="1143000" indent="-228600" eaLnBrk="0" hangingPunct="0">
-              <a:spcBef>
-                <a:spcPct val="20000"/>
-              </a:spcBef>
-              <a:buChar char="•"/>
-              <a:defRPr sz="2400">
-                <a:solidFill>
-                  <a:schemeClr val="tx1"/>
-                </a:solidFill>
-                <a:latin typeface="Calibri" pitchFamily="34" charset="0"/>
-                <a:ea typeface="宋体" pitchFamily="2" charset="-122"/>
-                <a:sym typeface="Calibri" pitchFamily="34" charset="0"/>
-              </a:defRPr>
-            </a:lvl3pPr>
-            <a:lvl4pPr marL="1600200" indent="-228600" eaLnBrk="0" hangingPunct="0">
-              <a:spcBef>
-                <a:spcPct val="20000"/>
-              </a:spcBef>
-              <a:buChar char="–"/>
-              <a:defRPr sz="2000">
-                <a:solidFill>
-                  <a:schemeClr val="tx1"/>
-                </a:solidFill>
-                <a:latin typeface="Calibri" pitchFamily="34" charset="0"/>
-                <a:ea typeface="宋体" pitchFamily="2" charset="-122"/>
-                <a:sym typeface="Calibri" pitchFamily="34" charset="0"/>
-              </a:defRPr>
-            </a:lvl4pPr>
-            <a:lvl5pPr marL="2057400" indent="-228600" eaLnBrk="0" hangingPunct="0">
-              <a:spcBef>
-                <a:spcPct val="20000"/>
-              </a:spcBef>
-              <a:buChar char="»"/>
-              <a:defRPr sz="2000">
-                <a:solidFill>
-                  <a:schemeClr val="tx1"/>
-                </a:solidFill>
-                <a:latin typeface="Calibri" pitchFamily="34" charset="0"/>
-                <a:ea typeface="宋体" pitchFamily="2" charset="-122"/>
-                <a:sym typeface="Calibri" pitchFamily="34" charset="0"/>
-              </a:defRPr>
-            </a:lvl5pPr>
-            <a:lvl6pPr marL="2514600" indent="-228600" eaLnBrk="0" fontAlgn="base" hangingPunct="0">
-              <a:spcBef>
-                <a:spcPct val="20000"/>
-              </a:spcBef>
-              <a:spcAft>
-                <a:spcPct val="0"/>
-              </a:spcAft>
-              <a:buFont typeface="Arial" pitchFamily="34" charset="0"/>
-              <a:buChar char="»"/>
-              <a:defRPr sz="2000">
-                <a:solidFill>
-                  <a:schemeClr val="tx1"/>
-                </a:solidFill>
-                <a:latin typeface="Calibri" pitchFamily="34" charset="0"/>
-                <a:ea typeface="宋体" pitchFamily="2" charset="-122"/>
-                <a:sym typeface="Calibri" pitchFamily="34" charset="0"/>
-              </a:defRPr>
-            </a:lvl6pPr>
-            <a:lvl7pPr marL="2971800" indent="-228600" eaLnBrk="0" fontAlgn="base" hangingPunct="0">
-              <a:spcBef>
-                <a:spcPct val="20000"/>
-              </a:spcBef>
-              <a:spcAft>
-                <a:spcPct val="0"/>
-              </a:spcAft>
-              <a:buFont typeface="Arial" pitchFamily="34" charset="0"/>
-              <a:buChar char="»"/>
-              <a:defRPr sz="2000">
-                <a:solidFill>
-                  <a:schemeClr val="tx1"/>
-                </a:solidFill>
-                <a:latin typeface="Calibri" pitchFamily="34" charset="0"/>
-                <a:ea typeface="宋体" pitchFamily="2" charset="-122"/>
-                <a:sym typeface="Calibri" pitchFamily="34" charset="0"/>
-              </a:defRPr>
-            </a:lvl7pPr>
-            <a:lvl8pPr marL="3429000" indent="-228600" eaLnBrk="0" fontAlgn="base" hangingPunct="0">
-              <a:spcBef>
-                <a:spcPct val="20000"/>
-              </a:spcBef>
-              <a:spcAft>
-                <a:spcPct val="0"/>
-              </a:spcAft>
-              <a:buFont typeface="Arial" pitchFamily="34" charset="0"/>
-              <a:buChar char="»"/>
-              <a:defRPr sz="2000">
-                <a:solidFill>
-                  <a:schemeClr val="tx1"/>
-                </a:solidFill>
-                <a:latin typeface="Calibri" pitchFamily="34" charset="0"/>
-                <a:ea typeface="宋体" pitchFamily="2" charset="-122"/>
-                <a:sym typeface="Calibri" pitchFamily="34" charset="0"/>
-              </a:defRPr>
-            </a:lvl8pPr>
-            <a:lvl9pPr marL="3886200" indent="-228600" eaLnBrk="0" fontAlgn="base" hangingPunct="0">
-              <a:spcBef>
-                <a:spcPct val="20000"/>
-              </a:spcBef>
-              <a:spcAft>
-                <a:spcPct val="0"/>
-              </a:spcAft>
-              <a:buFont typeface="Arial" pitchFamily="34" charset="0"/>
-              <a:buChar char="»"/>
-              <a:defRPr sz="2000">
-                <a:solidFill>
-                  <a:schemeClr val="tx1"/>
-                </a:solidFill>
-                <a:latin typeface="Calibri" pitchFamily="34" charset="0"/>
-                <a:ea typeface="宋体" pitchFamily="2" charset="-122"/>
-                <a:sym typeface="Calibri" pitchFamily="34" charset="0"/>
-              </a:defRPr>
-            </a:lvl9pPr>
-          </a:lstStyle>
-          <a:p>
-            <a:pPr eaLnBrk="1" fontAlgn="base" hangingPunct="1">
-              <a:spcBef>
-                <a:spcPct val="0"/>
-              </a:spcBef>
-              <a:spcAft>
-                <a:spcPct val="0"/>
-              </a:spcAft>
-              <a:buNone/>
-              <a:defRPr/>
-            </a:pPr>
-            <a:r>
-              <a:rPr lang="zh-CN" altLang="en-US" sz="3733" b="1" kern="0" dirty="0">
-                <a:solidFill>
-                  <a:srgbClr val="FFFFFF"/>
-                </a:solidFill>
-                <a:ea typeface="微软雅黑"/>
-                <a:sym typeface="宋体" pitchFamily="2" charset="-122"/>
-              </a:rPr>
-              <a:t>组织形式</a:t>
-            </a:r>
-          </a:p>
-        </p:txBody>
-      </p:sp>
-      <p:sp>
-        <p:nvSpPr>
           <p:cNvPr id="6" name="AutoShape 6">
             <a:extLst>
               <a:ext uri="{FF2B5EF4-FFF2-40B4-BE49-F238E27FC236}">
@@ -12505,12 +12257,225 @@
           </a:p>
         </p:txBody>
       </p:sp>
+      <p:sp>
+        <p:nvSpPr>
+          <p:cNvPr id="7" name="TextBox 7">
+            <a:extLst>
+              <a:ext uri="{FF2B5EF4-FFF2-40B4-BE49-F238E27FC236}">
+                <a16:creationId xmlns:a16="http://schemas.microsoft.com/office/drawing/2014/main" id="{25285959-9CCE-4F71-AD8A-AAC990000718}"/>
+              </a:ext>
+            </a:extLst>
+          </p:cNvPr>
+          <p:cNvSpPr>
+            <a:spLocks noChangeArrowheads="1"/>
+          </p:cNvSpPr>
+          <p:nvPr/>
+        </p:nvSpPr>
+        <p:spPr bwMode="auto">
+          <a:xfrm>
+            <a:off x="0" y="487312"/>
+            <a:ext cx="4271433" cy="697547"/>
+          </a:xfrm>
+          <a:prstGeom prst="rect">
+            <a:avLst/>
+          </a:prstGeom>
+          <a:solidFill>
+            <a:srgbClr val="E36C09"/>
+          </a:solidFill>
+          <a:ln>
+            <a:noFill/>
+          </a:ln>
+          <a:extLst>
+            <a:ext uri="{91240B29-F687-4F45-9708-019B960494DF}">
+              <a14:hiddenLine xmlns:a14="http://schemas.microsoft.com/office/drawing/2010/main" w="9525">
+                <a:solidFill>
+                  <a:srgbClr val="000000"/>
+                </a:solidFill>
+                <a:miter lim="800000"/>
+                <a:headEnd/>
+                <a:tailEnd/>
+              </a14:hiddenLine>
+            </a:ext>
+          </a:extLst>
+        </p:spPr>
+        <p:txBody>
+          <a:bodyPr lIns="121904" tIns="60952" rIns="121904" bIns="60952">
+            <a:spAutoFit/>
+          </a:bodyPr>
+          <a:lstStyle>
+            <a:lvl1pPr eaLnBrk="0" hangingPunct="0">
+              <a:spcBef>
+                <a:spcPct val="20000"/>
+              </a:spcBef>
+              <a:buChar char="•"/>
+              <a:defRPr sz="3200">
+                <a:solidFill>
+                  <a:schemeClr val="tx1"/>
+                </a:solidFill>
+                <a:latin typeface="Calibri" pitchFamily="34" charset="0"/>
+                <a:ea typeface="宋体" pitchFamily="2" charset="-122"/>
+                <a:sym typeface="Calibri" pitchFamily="34" charset="0"/>
+              </a:defRPr>
+            </a:lvl1pPr>
+            <a:lvl2pPr marL="742950" indent="-285750" eaLnBrk="0" hangingPunct="0">
+              <a:spcBef>
+                <a:spcPct val="20000"/>
+              </a:spcBef>
+              <a:buChar char="–"/>
+              <a:defRPr sz="2800">
+                <a:solidFill>
+                  <a:schemeClr val="tx1"/>
+                </a:solidFill>
+                <a:latin typeface="Calibri" pitchFamily="34" charset="0"/>
+                <a:ea typeface="宋体" pitchFamily="2" charset="-122"/>
+                <a:sym typeface="Calibri" pitchFamily="34" charset="0"/>
+              </a:defRPr>
+            </a:lvl2pPr>
+            <a:lvl3pPr marL="1143000" indent="-228600" eaLnBrk="0" hangingPunct="0">
+              <a:spcBef>
+                <a:spcPct val="20000"/>
+              </a:spcBef>
+              <a:buChar char="•"/>
+              <a:defRPr sz="2400">
+                <a:solidFill>
+                  <a:schemeClr val="tx1"/>
+                </a:solidFill>
+                <a:latin typeface="Calibri" pitchFamily="34" charset="0"/>
+                <a:ea typeface="宋体" pitchFamily="2" charset="-122"/>
+                <a:sym typeface="Calibri" pitchFamily="34" charset="0"/>
+              </a:defRPr>
+            </a:lvl3pPr>
+            <a:lvl4pPr marL="1600200" indent="-228600" eaLnBrk="0" hangingPunct="0">
+              <a:spcBef>
+                <a:spcPct val="20000"/>
+              </a:spcBef>
+              <a:buChar char="–"/>
+              <a:defRPr sz="2000">
+                <a:solidFill>
+                  <a:schemeClr val="tx1"/>
+                </a:solidFill>
+                <a:latin typeface="Calibri" pitchFamily="34" charset="0"/>
+                <a:ea typeface="宋体" pitchFamily="2" charset="-122"/>
+                <a:sym typeface="Calibri" pitchFamily="34" charset="0"/>
+              </a:defRPr>
+            </a:lvl4pPr>
+            <a:lvl5pPr marL="2057400" indent="-228600" eaLnBrk="0" hangingPunct="0">
+              <a:spcBef>
+                <a:spcPct val="20000"/>
+              </a:spcBef>
+              <a:buChar char="»"/>
+              <a:defRPr sz="2000">
+                <a:solidFill>
+                  <a:schemeClr val="tx1"/>
+                </a:solidFill>
+                <a:latin typeface="Calibri" pitchFamily="34" charset="0"/>
+                <a:ea typeface="宋体" pitchFamily="2" charset="-122"/>
+                <a:sym typeface="Calibri" pitchFamily="34" charset="0"/>
+              </a:defRPr>
+            </a:lvl5pPr>
+            <a:lvl6pPr marL="2514600" indent="-228600" eaLnBrk="0" fontAlgn="base" hangingPunct="0">
+              <a:spcBef>
+                <a:spcPct val="20000"/>
+              </a:spcBef>
+              <a:spcAft>
+                <a:spcPct val="0"/>
+              </a:spcAft>
+              <a:buFont typeface="Arial" pitchFamily="34" charset="0"/>
+              <a:buChar char="»"/>
+              <a:defRPr sz="2000">
+                <a:solidFill>
+                  <a:schemeClr val="tx1"/>
+                </a:solidFill>
+                <a:latin typeface="Calibri" pitchFamily="34" charset="0"/>
+                <a:ea typeface="宋体" pitchFamily="2" charset="-122"/>
+                <a:sym typeface="Calibri" pitchFamily="34" charset="0"/>
+              </a:defRPr>
+            </a:lvl6pPr>
+            <a:lvl7pPr marL="2971800" indent="-228600" eaLnBrk="0" fontAlgn="base" hangingPunct="0">
+              <a:spcBef>
+                <a:spcPct val="20000"/>
+              </a:spcBef>
+              <a:spcAft>
+                <a:spcPct val="0"/>
+              </a:spcAft>
+              <a:buFont typeface="Arial" pitchFamily="34" charset="0"/>
+              <a:buChar char="»"/>
+              <a:defRPr sz="2000">
+                <a:solidFill>
+                  <a:schemeClr val="tx1"/>
+                </a:solidFill>
+                <a:latin typeface="Calibri" pitchFamily="34" charset="0"/>
+                <a:ea typeface="宋体" pitchFamily="2" charset="-122"/>
+                <a:sym typeface="Calibri" pitchFamily="34" charset="0"/>
+              </a:defRPr>
+            </a:lvl7pPr>
+            <a:lvl8pPr marL="3429000" indent="-228600" eaLnBrk="0" fontAlgn="base" hangingPunct="0">
+              <a:spcBef>
+                <a:spcPct val="20000"/>
+              </a:spcBef>
+              <a:spcAft>
+                <a:spcPct val="0"/>
+              </a:spcAft>
+              <a:buFont typeface="Arial" pitchFamily="34" charset="0"/>
+              <a:buChar char="»"/>
+              <a:defRPr sz="2000">
+                <a:solidFill>
+                  <a:schemeClr val="tx1"/>
+                </a:solidFill>
+                <a:latin typeface="Calibri" pitchFamily="34" charset="0"/>
+                <a:ea typeface="宋体" pitchFamily="2" charset="-122"/>
+                <a:sym typeface="Calibri" pitchFamily="34" charset="0"/>
+              </a:defRPr>
+            </a:lvl8pPr>
+            <a:lvl9pPr marL="3886200" indent="-228600" eaLnBrk="0" fontAlgn="base" hangingPunct="0">
+              <a:spcBef>
+                <a:spcPct val="20000"/>
+              </a:spcBef>
+              <a:spcAft>
+                <a:spcPct val="0"/>
+              </a:spcAft>
+              <a:buFont typeface="Arial" pitchFamily="34" charset="0"/>
+              <a:buChar char="»"/>
+              <a:defRPr sz="2000">
+                <a:solidFill>
+                  <a:schemeClr val="tx1"/>
+                </a:solidFill>
+                <a:latin typeface="Calibri" pitchFamily="34" charset="0"/>
+                <a:ea typeface="宋体" pitchFamily="2" charset="-122"/>
+                <a:sym typeface="Calibri" pitchFamily="34" charset="0"/>
+              </a:defRPr>
+            </a:lvl9pPr>
+          </a:lstStyle>
+          <a:p>
+            <a:pPr eaLnBrk="1" fontAlgn="base" hangingPunct="1">
+              <a:spcBef>
+                <a:spcPct val="0"/>
+              </a:spcBef>
+              <a:spcAft>
+                <a:spcPct val="0"/>
+              </a:spcAft>
+              <a:buNone/>
+              <a:defRPr/>
+            </a:pPr>
+            <a:r>
+              <a:rPr lang="zh-CN" altLang="en-US" sz="3733" b="1" kern="0" dirty="0">
+                <a:solidFill>
+                  <a:srgbClr val="FFFFFF"/>
+                </a:solidFill>
+                <a:ea typeface="微软雅黑"/>
+                <a:sym typeface="宋体" pitchFamily="2" charset="-122"/>
+              </a:rPr>
+              <a:t>项目管理</a:t>
+            </a:r>
+          </a:p>
+        </p:txBody>
+      </p:sp>
       <p:pic>
         <p:nvPicPr>
-          <p:cNvPr id="5" name="图片 4">
+          <p:cNvPr id="9" name="图片 8">
             <a:extLst>
               <a:ext uri="{FF2B5EF4-FFF2-40B4-BE49-F238E27FC236}">
-                <a16:creationId xmlns:a16="http://schemas.microsoft.com/office/drawing/2014/main" id="{EDDB2DCD-5EB0-4131-B0AA-CA542AAC8913}"/>
+                <a16:creationId xmlns:a16="http://schemas.microsoft.com/office/drawing/2014/main" id="{EADD1D4F-5356-4C83-BD36-A52C528577A3}"/>
               </a:ext>
             </a:extLst>
           </p:cNvPr>
@@ -12520,21 +12485,15 @@
           <p:nvPr/>
         </p:nvPicPr>
         <p:blipFill>
-          <a:blip r:embed="rId2">
-            <a:extLst>
-              <a:ext uri="{28A0092B-C50C-407E-A947-70E740481C1C}">
-                <a14:useLocalDpi xmlns:a14="http://schemas.microsoft.com/office/drawing/2010/main" val="0"/>
-              </a:ext>
-            </a:extLst>
-          </a:blip>
+          <a:blip r:embed="rId2"/>
           <a:stretch>
             <a:fillRect/>
           </a:stretch>
         </p:blipFill>
         <p:spPr>
           <a:xfrm>
-            <a:off x="1885167" y="1921850"/>
-            <a:ext cx="8421666" cy="4737187"/>
+            <a:off x="1542791" y="1533633"/>
+            <a:ext cx="9759861" cy="4242810"/>
           </a:xfrm>
           <a:prstGeom prst="rect">
             <a:avLst/>
@@ -12544,7 +12503,7 @@
     </p:spTree>
     <p:extLst>
       <p:ext uri="{BB962C8B-B14F-4D97-AF65-F5344CB8AC3E}">
-        <p14:creationId xmlns:p14="http://schemas.microsoft.com/office/powerpoint/2010/main" val="4175702747"/>
+        <p14:creationId xmlns:p14="http://schemas.microsoft.com/office/powerpoint/2010/main" val="239641459"/>
       </p:ext>
     </p:extLst>
   </p:cSld>
@@ -12990,6 +12949,541 @@
                 <a:ea typeface="微软雅黑"/>
                 <a:sym typeface="宋体" pitchFamily="2" charset="-122"/>
               </a:rPr>
+              <a:t>组织形式</a:t>
+            </a:r>
+          </a:p>
+        </p:txBody>
+      </p:sp>
+      <p:sp>
+        <p:nvSpPr>
+          <p:cNvPr id="6" name="AutoShape 6">
+            <a:extLst>
+              <a:ext uri="{FF2B5EF4-FFF2-40B4-BE49-F238E27FC236}">
+                <a16:creationId xmlns:a16="http://schemas.microsoft.com/office/drawing/2014/main" id="{926D1122-B17B-4A00-922F-C429638570B6}"/>
+              </a:ext>
+            </a:extLst>
+          </p:cNvPr>
+          <p:cNvSpPr>
+            <a:spLocks noChangeAspect="1" noChangeArrowheads="1"/>
+          </p:cNvSpPr>
+          <p:nvPr/>
+        </p:nvSpPr>
+        <p:spPr bwMode="auto">
+          <a:xfrm>
+            <a:off x="5892800" y="3225800"/>
+            <a:ext cx="406400" cy="406400"/>
+          </a:xfrm>
+          <a:prstGeom prst="rect">
+            <a:avLst/>
+          </a:prstGeom>
+          <a:noFill/>
+          <a:extLst>
+            <a:ext uri="{909E8E84-426E-40DD-AFC4-6F175D3DCCD1}">
+              <a14:hiddenFill xmlns:a14="http://schemas.microsoft.com/office/drawing/2010/main">
+                <a:solidFill>
+                  <a:srgbClr val="FFFFFF"/>
+                </a:solidFill>
+              </a14:hiddenFill>
+            </a:ext>
+          </a:extLst>
+        </p:spPr>
+        <p:txBody>
+          <a:bodyPr vert="horz" wrap="square" lIns="121920" tIns="60960" rIns="121920" bIns="60960" numCol="1" anchor="t" anchorCtr="0" compatLnSpc="1">
+            <a:prstTxWarp prst="textNoShape">
+              <a:avLst/>
+            </a:prstTxWarp>
+          </a:bodyPr>
+          <a:lstStyle/>
+          <a:p>
+            <a:endParaRPr lang="zh-CN" altLang="en-US" sz="2400"/>
+          </a:p>
+        </p:txBody>
+      </p:sp>
+      <p:pic>
+        <p:nvPicPr>
+          <p:cNvPr id="5" name="图片 4">
+            <a:extLst>
+              <a:ext uri="{FF2B5EF4-FFF2-40B4-BE49-F238E27FC236}">
+                <a16:creationId xmlns:a16="http://schemas.microsoft.com/office/drawing/2014/main" id="{EDDB2DCD-5EB0-4131-B0AA-CA542AAC8913}"/>
+              </a:ext>
+            </a:extLst>
+          </p:cNvPr>
+          <p:cNvPicPr>
+            <a:picLocks noChangeAspect="1"/>
+          </p:cNvPicPr>
+          <p:nvPr/>
+        </p:nvPicPr>
+        <p:blipFill>
+          <a:blip r:embed="rId2">
+            <a:extLst>
+              <a:ext uri="{28A0092B-C50C-407E-A947-70E740481C1C}">
+                <a14:useLocalDpi xmlns:a14="http://schemas.microsoft.com/office/drawing/2010/main" val="0"/>
+              </a:ext>
+            </a:extLst>
+          </a:blip>
+          <a:stretch>
+            <a:fillRect/>
+          </a:stretch>
+        </p:blipFill>
+        <p:spPr>
+          <a:xfrm>
+            <a:off x="1885167" y="1921850"/>
+            <a:ext cx="8421666" cy="4737187"/>
+          </a:xfrm>
+          <a:prstGeom prst="rect">
+            <a:avLst/>
+          </a:prstGeom>
+        </p:spPr>
+      </p:pic>
+    </p:spTree>
+    <p:extLst>
+      <p:ext uri="{BB962C8B-B14F-4D97-AF65-F5344CB8AC3E}">
+        <p14:creationId xmlns:p14="http://schemas.microsoft.com/office/powerpoint/2010/main" val="4175702747"/>
+      </p:ext>
+    </p:extLst>
+  </p:cSld>
+  <p:clrMapOvr>
+    <a:masterClrMapping/>
+  </p:clrMapOvr>
+</p:sld>
+</file>
+
+<file path=ppt/slides/slide9.xml><?xml version="1.0" encoding="utf-8"?>
+<p:sld xmlns:a="http://schemas.openxmlformats.org/drawingml/2006/main" xmlns:r="http://schemas.openxmlformats.org/officeDocument/2006/relationships" xmlns:p="http://schemas.openxmlformats.org/presentationml/2006/main">
+  <p:cSld>
+    <p:spTree>
+      <p:nvGrpSpPr>
+        <p:cNvPr id="1" name=""/>
+        <p:cNvGrpSpPr/>
+        <p:nvPr/>
+      </p:nvGrpSpPr>
+      <p:grpSpPr>
+        <a:xfrm>
+          <a:off x="0" y="0"/>
+          <a:ext cx="0" cy="0"/>
+          <a:chOff x="0" y="0"/>
+          <a:chExt cx="0" cy="0"/>
+        </a:xfrm>
+      </p:grpSpPr>
+      <p:sp>
+        <p:nvSpPr>
+          <p:cNvPr id="2" name="矩形 6">
+            <a:extLst>
+              <a:ext uri="{FF2B5EF4-FFF2-40B4-BE49-F238E27FC236}">
+                <a16:creationId xmlns:a16="http://schemas.microsoft.com/office/drawing/2014/main" id="{F841291E-C213-4F87-9E6F-564464F5B8B8}"/>
+              </a:ext>
+            </a:extLst>
+          </p:cNvPr>
+          <p:cNvSpPr>
+            <a:spLocks noChangeArrowheads="1"/>
+          </p:cNvSpPr>
+          <p:nvPr/>
+        </p:nvSpPr>
+        <p:spPr bwMode="auto">
+          <a:xfrm>
+            <a:off x="0" y="836086"/>
+            <a:ext cx="12192000" cy="5473700"/>
+          </a:xfrm>
+          <a:prstGeom prst="rect">
+            <a:avLst/>
+          </a:prstGeom>
+          <a:solidFill>
+            <a:srgbClr val="FFFFFF">
+              <a:alpha val="50195"/>
+            </a:srgbClr>
+          </a:solidFill>
+          <a:ln>
+            <a:noFill/>
+          </a:ln>
+          <a:extLst>
+            <a:ext uri="{91240B29-F687-4F45-9708-019B960494DF}">
+              <a14:hiddenLine xmlns:a14="http://schemas.microsoft.com/office/drawing/2010/main" w="9525">
+                <a:solidFill>
+                  <a:srgbClr val="000000"/>
+                </a:solidFill>
+                <a:miter lim="800000"/>
+                <a:headEnd/>
+                <a:tailEnd/>
+              </a14:hiddenLine>
+            </a:ext>
+          </a:extLst>
+        </p:spPr>
+        <p:txBody>
+          <a:bodyPr lIns="121904" tIns="60952" rIns="121904" bIns="60952" anchor="ctr"/>
+          <a:lstStyle>
+            <a:lvl1pPr eaLnBrk="0" hangingPunct="0">
+              <a:spcBef>
+                <a:spcPct val="20000"/>
+              </a:spcBef>
+              <a:buChar char="•"/>
+              <a:defRPr sz="3200">
+                <a:solidFill>
+                  <a:schemeClr val="tx1"/>
+                </a:solidFill>
+                <a:latin typeface="Calibri" pitchFamily="34" charset="0"/>
+                <a:ea typeface="宋体" pitchFamily="2" charset="-122"/>
+                <a:sym typeface="Calibri" pitchFamily="34" charset="0"/>
+              </a:defRPr>
+            </a:lvl1pPr>
+            <a:lvl2pPr marL="742950" indent="-285750" eaLnBrk="0" hangingPunct="0">
+              <a:spcBef>
+                <a:spcPct val="20000"/>
+              </a:spcBef>
+              <a:buChar char="–"/>
+              <a:defRPr sz="2800">
+                <a:solidFill>
+                  <a:schemeClr val="tx1"/>
+                </a:solidFill>
+                <a:latin typeface="Calibri" pitchFamily="34" charset="0"/>
+                <a:ea typeface="宋体" pitchFamily="2" charset="-122"/>
+                <a:sym typeface="Calibri" pitchFamily="34" charset="0"/>
+              </a:defRPr>
+            </a:lvl2pPr>
+            <a:lvl3pPr marL="1143000" indent="-228600" eaLnBrk="0" hangingPunct="0">
+              <a:spcBef>
+                <a:spcPct val="20000"/>
+              </a:spcBef>
+              <a:buChar char="•"/>
+              <a:defRPr sz="2400">
+                <a:solidFill>
+                  <a:schemeClr val="tx1"/>
+                </a:solidFill>
+                <a:latin typeface="Calibri" pitchFamily="34" charset="0"/>
+                <a:ea typeface="宋体" pitchFamily="2" charset="-122"/>
+                <a:sym typeface="Calibri" pitchFamily="34" charset="0"/>
+              </a:defRPr>
+            </a:lvl3pPr>
+            <a:lvl4pPr marL="1600200" indent="-228600" eaLnBrk="0" hangingPunct="0">
+              <a:spcBef>
+                <a:spcPct val="20000"/>
+              </a:spcBef>
+              <a:buChar char="–"/>
+              <a:defRPr sz="2000">
+                <a:solidFill>
+                  <a:schemeClr val="tx1"/>
+                </a:solidFill>
+                <a:latin typeface="Calibri" pitchFamily="34" charset="0"/>
+                <a:ea typeface="宋体" pitchFamily="2" charset="-122"/>
+                <a:sym typeface="Calibri" pitchFamily="34" charset="0"/>
+              </a:defRPr>
+            </a:lvl4pPr>
+            <a:lvl5pPr marL="2057400" indent="-228600" eaLnBrk="0" hangingPunct="0">
+              <a:spcBef>
+                <a:spcPct val="20000"/>
+              </a:spcBef>
+              <a:buChar char="»"/>
+              <a:defRPr sz="2000">
+                <a:solidFill>
+                  <a:schemeClr val="tx1"/>
+                </a:solidFill>
+                <a:latin typeface="Calibri" pitchFamily="34" charset="0"/>
+                <a:ea typeface="宋体" pitchFamily="2" charset="-122"/>
+                <a:sym typeface="Calibri" pitchFamily="34" charset="0"/>
+              </a:defRPr>
+            </a:lvl5pPr>
+            <a:lvl6pPr marL="2514600" indent="-228600" eaLnBrk="0" fontAlgn="base" hangingPunct="0">
+              <a:spcBef>
+                <a:spcPct val="20000"/>
+              </a:spcBef>
+              <a:spcAft>
+                <a:spcPct val="0"/>
+              </a:spcAft>
+              <a:buFont typeface="Arial" pitchFamily="34" charset="0"/>
+              <a:buChar char="»"/>
+              <a:defRPr sz="2000">
+                <a:solidFill>
+                  <a:schemeClr val="tx1"/>
+                </a:solidFill>
+                <a:latin typeface="Calibri" pitchFamily="34" charset="0"/>
+                <a:ea typeface="宋体" pitchFamily="2" charset="-122"/>
+                <a:sym typeface="Calibri" pitchFamily="34" charset="0"/>
+              </a:defRPr>
+            </a:lvl6pPr>
+            <a:lvl7pPr marL="2971800" indent="-228600" eaLnBrk="0" fontAlgn="base" hangingPunct="0">
+              <a:spcBef>
+                <a:spcPct val="20000"/>
+              </a:spcBef>
+              <a:spcAft>
+                <a:spcPct val="0"/>
+              </a:spcAft>
+              <a:buFont typeface="Arial" pitchFamily="34" charset="0"/>
+              <a:buChar char="»"/>
+              <a:defRPr sz="2000">
+                <a:solidFill>
+                  <a:schemeClr val="tx1"/>
+                </a:solidFill>
+                <a:latin typeface="Calibri" pitchFamily="34" charset="0"/>
+                <a:ea typeface="宋体" pitchFamily="2" charset="-122"/>
+                <a:sym typeface="Calibri" pitchFamily="34" charset="0"/>
+              </a:defRPr>
+            </a:lvl7pPr>
+            <a:lvl8pPr marL="3429000" indent="-228600" eaLnBrk="0" fontAlgn="base" hangingPunct="0">
+              <a:spcBef>
+                <a:spcPct val="20000"/>
+              </a:spcBef>
+              <a:spcAft>
+                <a:spcPct val="0"/>
+              </a:spcAft>
+              <a:buFont typeface="Arial" pitchFamily="34" charset="0"/>
+              <a:buChar char="»"/>
+              <a:defRPr sz="2000">
+                <a:solidFill>
+                  <a:schemeClr val="tx1"/>
+                </a:solidFill>
+                <a:latin typeface="Calibri" pitchFamily="34" charset="0"/>
+                <a:ea typeface="宋体" pitchFamily="2" charset="-122"/>
+                <a:sym typeface="Calibri" pitchFamily="34" charset="0"/>
+              </a:defRPr>
+            </a:lvl8pPr>
+            <a:lvl9pPr marL="3886200" indent="-228600" eaLnBrk="0" fontAlgn="base" hangingPunct="0">
+              <a:spcBef>
+                <a:spcPct val="20000"/>
+              </a:spcBef>
+              <a:spcAft>
+                <a:spcPct val="0"/>
+              </a:spcAft>
+              <a:buFont typeface="Arial" pitchFamily="34" charset="0"/>
+              <a:buChar char="»"/>
+              <a:defRPr sz="2000">
+                <a:solidFill>
+                  <a:schemeClr val="tx1"/>
+                </a:solidFill>
+                <a:latin typeface="Calibri" pitchFamily="34" charset="0"/>
+                <a:ea typeface="宋体" pitchFamily="2" charset="-122"/>
+                <a:sym typeface="Calibri" pitchFamily="34" charset="0"/>
+              </a:defRPr>
+            </a:lvl9pPr>
+          </a:lstStyle>
+          <a:p>
+            <a:pPr algn="ctr" eaLnBrk="1" fontAlgn="base" hangingPunct="1">
+              <a:spcBef>
+                <a:spcPct val="0"/>
+              </a:spcBef>
+              <a:spcAft>
+                <a:spcPct val="0"/>
+              </a:spcAft>
+              <a:buFont typeface="Arial" pitchFamily="34" charset="0"/>
+              <a:buNone/>
+            </a:pPr>
+            <a:endParaRPr lang="zh-CN" altLang="en-US" sz="2400" dirty="0">
+              <a:solidFill>
+                <a:srgbClr val="FFFFFF"/>
+              </a:solidFill>
+              <a:latin typeface="微软雅黑"/>
+              <a:ea typeface="微软雅黑"/>
+              <a:sym typeface="宋体" pitchFamily="2" charset="-122"/>
+            </a:endParaRPr>
+          </a:p>
+        </p:txBody>
+      </p:sp>
+      <p:sp>
+        <p:nvSpPr>
+          <p:cNvPr id="3" name="TextBox 7">
+            <a:extLst>
+              <a:ext uri="{FF2B5EF4-FFF2-40B4-BE49-F238E27FC236}">
+                <a16:creationId xmlns:a16="http://schemas.microsoft.com/office/drawing/2014/main" id="{DB327454-843E-4EB8-8BFF-432DFA44BF5D}"/>
+              </a:ext>
+            </a:extLst>
+          </p:cNvPr>
+          <p:cNvSpPr>
+            <a:spLocks noChangeArrowheads="1"/>
+          </p:cNvSpPr>
+          <p:nvPr/>
+        </p:nvSpPr>
+        <p:spPr bwMode="auto">
+          <a:xfrm>
+            <a:off x="9" y="486835"/>
+            <a:ext cx="4271433" cy="697547"/>
+          </a:xfrm>
+          <a:prstGeom prst="rect">
+            <a:avLst/>
+          </a:prstGeom>
+          <a:solidFill>
+            <a:srgbClr val="E36C09"/>
+          </a:solidFill>
+          <a:ln>
+            <a:noFill/>
+          </a:ln>
+          <a:extLst>
+            <a:ext uri="{91240B29-F687-4F45-9708-019B960494DF}">
+              <a14:hiddenLine xmlns:a14="http://schemas.microsoft.com/office/drawing/2010/main" w="9525">
+                <a:solidFill>
+                  <a:srgbClr val="000000"/>
+                </a:solidFill>
+                <a:miter lim="800000"/>
+                <a:headEnd/>
+                <a:tailEnd/>
+              </a14:hiddenLine>
+            </a:ext>
+          </a:extLst>
+        </p:spPr>
+        <p:txBody>
+          <a:bodyPr lIns="121904" tIns="60952" rIns="121904" bIns="60952">
+            <a:spAutoFit/>
+          </a:bodyPr>
+          <a:lstStyle>
+            <a:lvl1pPr eaLnBrk="0" hangingPunct="0">
+              <a:spcBef>
+                <a:spcPct val="20000"/>
+              </a:spcBef>
+              <a:buChar char="•"/>
+              <a:defRPr sz="3200">
+                <a:solidFill>
+                  <a:schemeClr val="tx1"/>
+                </a:solidFill>
+                <a:latin typeface="Calibri" pitchFamily="34" charset="0"/>
+                <a:ea typeface="宋体" pitchFamily="2" charset="-122"/>
+                <a:sym typeface="Calibri" pitchFamily="34" charset="0"/>
+              </a:defRPr>
+            </a:lvl1pPr>
+            <a:lvl2pPr marL="742950" indent="-285750" eaLnBrk="0" hangingPunct="0">
+              <a:spcBef>
+                <a:spcPct val="20000"/>
+              </a:spcBef>
+              <a:buChar char="–"/>
+              <a:defRPr sz="2800">
+                <a:solidFill>
+                  <a:schemeClr val="tx1"/>
+                </a:solidFill>
+                <a:latin typeface="Calibri" pitchFamily="34" charset="0"/>
+                <a:ea typeface="宋体" pitchFamily="2" charset="-122"/>
+                <a:sym typeface="Calibri" pitchFamily="34" charset="0"/>
+              </a:defRPr>
+            </a:lvl2pPr>
+            <a:lvl3pPr marL="1143000" indent="-228600" eaLnBrk="0" hangingPunct="0">
+              <a:spcBef>
+                <a:spcPct val="20000"/>
+              </a:spcBef>
+              <a:buChar char="•"/>
+              <a:defRPr sz="2400">
+                <a:solidFill>
+                  <a:schemeClr val="tx1"/>
+                </a:solidFill>
+                <a:latin typeface="Calibri" pitchFamily="34" charset="0"/>
+                <a:ea typeface="宋体" pitchFamily="2" charset="-122"/>
+                <a:sym typeface="Calibri" pitchFamily="34" charset="0"/>
+              </a:defRPr>
+            </a:lvl3pPr>
+            <a:lvl4pPr marL="1600200" indent="-228600" eaLnBrk="0" hangingPunct="0">
+              <a:spcBef>
+                <a:spcPct val="20000"/>
+              </a:spcBef>
+              <a:buChar char="–"/>
+              <a:defRPr sz="2000">
+                <a:solidFill>
+                  <a:schemeClr val="tx1"/>
+                </a:solidFill>
+                <a:latin typeface="Calibri" pitchFamily="34" charset="0"/>
+                <a:ea typeface="宋体" pitchFamily="2" charset="-122"/>
+                <a:sym typeface="Calibri" pitchFamily="34" charset="0"/>
+              </a:defRPr>
+            </a:lvl4pPr>
+            <a:lvl5pPr marL="2057400" indent="-228600" eaLnBrk="0" hangingPunct="0">
+              <a:spcBef>
+                <a:spcPct val="20000"/>
+              </a:spcBef>
+              <a:buChar char="»"/>
+              <a:defRPr sz="2000">
+                <a:solidFill>
+                  <a:schemeClr val="tx1"/>
+                </a:solidFill>
+                <a:latin typeface="Calibri" pitchFamily="34" charset="0"/>
+                <a:ea typeface="宋体" pitchFamily="2" charset="-122"/>
+                <a:sym typeface="Calibri" pitchFamily="34" charset="0"/>
+              </a:defRPr>
+            </a:lvl5pPr>
+            <a:lvl6pPr marL="2514600" indent="-228600" eaLnBrk="0" fontAlgn="base" hangingPunct="0">
+              <a:spcBef>
+                <a:spcPct val="20000"/>
+              </a:spcBef>
+              <a:spcAft>
+                <a:spcPct val="0"/>
+              </a:spcAft>
+              <a:buFont typeface="Arial" pitchFamily="34" charset="0"/>
+              <a:buChar char="»"/>
+              <a:defRPr sz="2000">
+                <a:solidFill>
+                  <a:schemeClr val="tx1"/>
+                </a:solidFill>
+                <a:latin typeface="Calibri" pitchFamily="34" charset="0"/>
+                <a:ea typeface="宋体" pitchFamily="2" charset="-122"/>
+                <a:sym typeface="Calibri" pitchFamily="34" charset="0"/>
+              </a:defRPr>
+            </a:lvl6pPr>
+            <a:lvl7pPr marL="2971800" indent="-228600" eaLnBrk="0" fontAlgn="base" hangingPunct="0">
+              <a:spcBef>
+                <a:spcPct val="20000"/>
+              </a:spcBef>
+              <a:spcAft>
+                <a:spcPct val="0"/>
+              </a:spcAft>
+              <a:buFont typeface="Arial" pitchFamily="34" charset="0"/>
+              <a:buChar char="»"/>
+              <a:defRPr sz="2000">
+                <a:solidFill>
+                  <a:schemeClr val="tx1"/>
+                </a:solidFill>
+                <a:latin typeface="Calibri" pitchFamily="34" charset="0"/>
+                <a:ea typeface="宋体" pitchFamily="2" charset="-122"/>
+                <a:sym typeface="Calibri" pitchFamily="34" charset="0"/>
+              </a:defRPr>
+            </a:lvl7pPr>
+            <a:lvl8pPr marL="3429000" indent="-228600" eaLnBrk="0" fontAlgn="base" hangingPunct="0">
+              <a:spcBef>
+                <a:spcPct val="20000"/>
+              </a:spcBef>
+              <a:spcAft>
+                <a:spcPct val="0"/>
+              </a:spcAft>
+              <a:buFont typeface="Arial" pitchFamily="34" charset="0"/>
+              <a:buChar char="»"/>
+              <a:defRPr sz="2000">
+                <a:solidFill>
+                  <a:schemeClr val="tx1"/>
+                </a:solidFill>
+                <a:latin typeface="Calibri" pitchFamily="34" charset="0"/>
+                <a:ea typeface="宋体" pitchFamily="2" charset="-122"/>
+                <a:sym typeface="Calibri" pitchFamily="34" charset="0"/>
+              </a:defRPr>
+            </a:lvl8pPr>
+            <a:lvl9pPr marL="3886200" indent="-228600" eaLnBrk="0" fontAlgn="base" hangingPunct="0">
+              <a:spcBef>
+                <a:spcPct val="20000"/>
+              </a:spcBef>
+              <a:spcAft>
+                <a:spcPct val="0"/>
+              </a:spcAft>
+              <a:buFont typeface="Arial" pitchFamily="34" charset="0"/>
+              <a:buChar char="»"/>
+              <a:defRPr sz="2000">
+                <a:solidFill>
+                  <a:schemeClr val="tx1"/>
+                </a:solidFill>
+                <a:latin typeface="Calibri" pitchFamily="34" charset="0"/>
+                <a:ea typeface="宋体" pitchFamily="2" charset="-122"/>
+                <a:sym typeface="Calibri" pitchFamily="34" charset="0"/>
+              </a:defRPr>
+            </a:lvl9pPr>
+          </a:lstStyle>
+          <a:p>
+            <a:pPr eaLnBrk="1" fontAlgn="base" hangingPunct="1">
+              <a:spcBef>
+                <a:spcPct val="0"/>
+              </a:spcBef>
+              <a:spcAft>
+                <a:spcPct val="0"/>
+              </a:spcAft>
+              <a:buNone/>
+              <a:defRPr/>
+            </a:pPr>
+            <a:r>
+              <a:rPr lang="zh-CN" altLang="en-US" sz="3733" b="1" kern="0" dirty="0">
+                <a:solidFill>
+                  <a:srgbClr val="FFFFFF"/>
+                </a:solidFill>
+                <a:ea typeface="微软雅黑"/>
+                <a:sym typeface="宋体" pitchFamily="2" charset="-122"/>
+              </a:rPr>
               <a:t>困难与解决</a:t>
             </a:r>
           </a:p>
@@ -13091,155 +13585,6 @@
     <p:extLst>
       <p:ext uri="{BB962C8B-B14F-4D97-AF65-F5344CB8AC3E}">
         <p14:creationId xmlns:p14="http://schemas.microsoft.com/office/powerpoint/2010/main" val="3307073473"/>
-      </p:ext>
-    </p:extLst>
-  </p:cSld>
-  <p:clrMapOvr>
-    <a:masterClrMapping/>
-  </p:clrMapOvr>
-</p:sld>
-</file>
-
-<file path=ppt/slides/slide9.xml><?xml version="1.0" encoding="utf-8"?>
-<p:sld xmlns:a="http://schemas.openxmlformats.org/drawingml/2006/main" xmlns:r="http://schemas.openxmlformats.org/officeDocument/2006/relationships" xmlns:p="http://schemas.openxmlformats.org/presentationml/2006/main">
-  <p:cSld>
-    <p:spTree>
-      <p:nvGrpSpPr>
-        <p:cNvPr id="1" name=""/>
-        <p:cNvGrpSpPr/>
-        <p:nvPr/>
-      </p:nvGrpSpPr>
-      <p:grpSpPr>
-        <a:xfrm>
-          <a:off x="0" y="0"/>
-          <a:ext cx="0" cy="0"/>
-          <a:chOff x="0" y="0"/>
-          <a:chExt cx="0" cy="0"/>
-        </a:xfrm>
-      </p:grpSpPr>
-      <p:sp>
-        <p:nvSpPr>
-          <p:cNvPr id="2" name="标题 1">
-            <a:extLst>
-              <a:ext uri="{FF2B5EF4-FFF2-40B4-BE49-F238E27FC236}">
-                <a16:creationId xmlns:a16="http://schemas.microsoft.com/office/drawing/2014/main" id="{1E2F6666-FCE7-4AA5-B645-1A97A1E981FA}"/>
-              </a:ext>
-            </a:extLst>
-          </p:cNvPr>
-          <p:cNvSpPr>
-            <a:spLocks noGrp="1"/>
-          </p:cNvSpPr>
-          <p:nvPr>
-            <p:ph type="title"/>
-          </p:nvPr>
-        </p:nvSpPr>
-        <p:spPr/>
-        <p:txBody>
-          <a:bodyPr/>
-          <a:lstStyle/>
-          <a:p>
-            <a:endParaRPr lang="zh-CN" altLang="en-US"/>
-          </a:p>
-        </p:txBody>
-      </p:sp>
-      <p:sp>
-        <p:nvSpPr>
-          <p:cNvPr id="3" name="内容占位符 2">
-            <a:extLst>
-              <a:ext uri="{FF2B5EF4-FFF2-40B4-BE49-F238E27FC236}">
-                <a16:creationId xmlns:a16="http://schemas.microsoft.com/office/drawing/2014/main" id="{67A7431E-9252-48FC-9598-6BF6E46DEB65}"/>
-              </a:ext>
-            </a:extLst>
-          </p:cNvPr>
-          <p:cNvSpPr>
-            <a:spLocks noGrp="1"/>
-          </p:cNvSpPr>
-          <p:nvPr>
-            <p:ph idx="1"/>
-          </p:nvPr>
-        </p:nvSpPr>
-        <p:spPr/>
-        <p:txBody>
-          <a:bodyPr/>
-          <a:lstStyle/>
-          <a:p>
-            <a:endParaRPr lang="zh-CN" altLang="en-US" dirty="0"/>
-          </a:p>
-        </p:txBody>
-      </p:sp>
-      <p:pic>
-        <p:nvPicPr>
-          <p:cNvPr id="4" name="Picture 3">
-            <a:extLst>
-              <a:ext uri="{FF2B5EF4-FFF2-40B4-BE49-F238E27FC236}">
-                <a16:creationId xmlns:a16="http://schemas.microsoft.com/office/drawing/2014/main" id="{F5E65B6C-5ADD-463D-8C45-B50837BE5535}"/>
-              </a:ext>
-            </a:extLst>
-          </p:cNvPr>
-          <p:cNvPicPr>
-            <a:picLocks noChangeAspect="1"/>
-          </p:cNvPicPr>
-          <p:nvPr/>
-        </p:nvPicPr>
-        <p:blipFill rotWithShape="1">
-          <a:blip r:embed="rId2"/>
-          <a:srcRect t="5648" b="10083"/>
-          <a:stretch/>
-        </p:blipFill>
-        <p:spPr>
-          <a:xfrm>
-            <a:off x="20" y="10"/>
-            <a:ext cx="12191980" cy="6857990"/>
-          </a:xfrm>
-          <a:prstGeom prst="rect">
-            <a:avLst/>
-          </a:prstGeom>
-        </p:spPr>
-      </p:pic>
-      <p:sp>
-        <p:nvSpPr>
-          <p:cNvPr id="5" name="文本框 4">
-            <a:extLst>
-              <a:ext uri="{FF2B5EF4-FFF2-40B4-BE49-F238E27FC236}">
-                <a16:creationId xmlns:a16="http://schemas.microsoft.com/office/drawing/2014/main" id="{ABE625C5-4CE2-4DFE-B883-4834C4A66CC8}"/>
-              </a:ext>
-            </a:extLst>
-          </p:cNvPr>
-          <p:cNvSpPr txBox="1"/>
-          <p:nvPr/>
-        </p:nvSpPr>
-        <p:spPr>
-          <a:xfrm>
-            <a:off x="5227790" y="2459504"/>
-            <a:ext cx="1736419" cy="1938992"/>
-          </a:xfrm>
-          <a:prstGeom prst="rect">
-            <a:avLst/>
-          </a:prstGeom>
-          <a:solidFill>
-            <a:schemeClr val="accent5">
-              <a:lumMod val="20000"/>
-              <a:lumOff val="80000"/>
-            </a:schemeClr>
-          </a:solidFill>
-        </p:spPr>
-        <p:txBody>
-          <a:bodyPr wrap="square" rtlCol="0">
-            <a:spAutoFit/>
-          </a:bodyPr>
-          <a:lstStyle/>
-          <a:p>
-            <a:r>
-              <a:rPr lang="zh-CN" altLang="en-US" sz="12000" dirty="0"/>
-              <a:t>完</a:t>
-            </a:r>
-          </a:p>
-        </p:txBody>
-      </p:sp>
-    </p:spTree>
-    <p:extLst>
-      <p:ext uri="{BB962C8B-B14F-4D97-AF65-F5344CB8AC3E}">
-        <p14:creationId xmlns:p14="http://schemas.microsoft.com/office/powerpoint/2010/main" val="783897408"/>
       </p:ext>
     </p:extLst>
   </p:cSld>
